--- a/Natural Language Processing/Lesson 5_ Natural Language Processing Part 1.pptx
+++ b/Natural Language Processing/Lesson 5_ Natural Language Processing Part 1.pptx
@@ -822,7 +822,7 @@
   <p:cSld>
     <p:spTree>
       <p:nvGrpSpPr>
-        <p:cNvPr id="127" name="Shape 127"/>
+        <p:cNvPr id="129" name="Shape 129"/>
         <p:cNvGrpSpPr/>
         <p:nvPr/>
       </p:nvGrpSpPr>
@@ -836,7 +836,7 @@
       </p:grpSpPr>
       <p:sp>
         <p:nvSpPr>
-          <p:cNvPr id="128" name="Google Shape;128;g710ce57c72_0_39:notes"/>
+          <p:cNvPr id="130" name="Google Shape;130;g710ce57c72_0_39:notes"/>
           <p:cNvSpPr/>
           <p:nvPr>
             <p:ph idx="2" type="sldImg"/>
@@ -871,7 +871,7 @@
       </p:sp>
       <p:sp>
         <p:nvSpPr>
-          <p:cNvPr id="129" name="Google Shape;129;g710ce57c72_0_39:notes"/>
+          <p:cNvPr id="131" name="Google Shape;131;g710ce57c72_0_39:notes"/>
           <p:cNvSpPr txBox="1"/>
           <p:nvPr>
             <p:ph idx="1" type="body"/>
@@ -921,7 +921,7 @@
   <p:cSld>
     <p:spTree>
       <p:nvGrpSpPr>
-        <p:cNvPr id="139" name="Shape 139"/>
+        <p:cNvPr id="142" name="Shape 142"/>
         <p:cNvGrpSpPr/>
         <p:nvPr/>
       </p:nvGrpSpPr>
@@ -935,7 +935,7 @@
       </p:grpSpPr>
       <p:sp>
         <p:nvSpPr>
-          <p:cNvPr id="140" name="Google Shape;140;g710ce57c72_0_28:notes"/>
+          <p:cNvPr id="143" name="Google Shape;143;g710ce57c72_0_28:notes"/>
           <p:cNvSpPr/>
           <p:nvPr>
             <p:ph idx="2" type="sldImg"/>
@@ -970,7 +970,7 @@
       </p:sp>
       <p:sp>
         <p:nvSpPr>
-          <p:cNvPr id="141" name="Google Shape;141;g710ce57c72_0_28:notes"/>
+          <p:cNvPr id="144" name="Google Shape;144;g710ce57c72_0_28:notes"/>
           <p:cNvSpPr txBox="1"/>
           <p:nvPr>
             <p:ph idx="1" type="body"/>
@@ -1026,7 +1026,7 @@
   <p:cSld>
     <p:spTree>
       <p:nvGrpSpPr>
-        <p:cNvPr id="165" name="Shape 165"/>
+        <p:cNvPr id="172" name="Shape 172"/>
         <p:cNvGrpSpPr/>
         <p:nvPr/>
       </p:nvGrpSpPr>
@@ -1040,7 +1040,7 @@
       </p:grpSpPr>
       <p:sp>
         <p:nvSpPr>
-          <p:cNvPr id="166" name="Google Shape;166;g710ce57c72_0_68:notes"/>
+          <p:cNvPr id="173" name="Google Shape;173;g710ce57c72_0_68:notes"/>
           <p:cNvSpPr/>
           <p:nvPr>
             <p:ph idx="2" type="sldImg"/>
@@ -1075,7 +1075,7 @@
       </p:sp>
       <p:sp>
         <p:nvSpPr>
-          <p:cNvPr id="167" name="Google Shape;167;g710ce57c72_0_68:notes"/>
+          <p:cNvPr id="174" name="Google Shape;174;g710ce57c72_0_68:notes"/>
           <p:cNvSpPr txBox="1"/>
           <p:nvPr>
             <p:ph idx="1" type="body"/>
@@ -1125,7 +1125,7 @@
   <p:cSld>
     <p:spTree>
       <p:nvGrpSpPr>
-        <p:cNvPr id="173" name="Shape 173"/>
+        <p:cNvPr id="180" name="Shape 180"/>
         <p:cNvGrpSpPr/>
         <p:nvPr/>
       </p:nvGrpSpPr>
@@ -1139,7 +1139,7 @@
       </p:grpSpPr>
       <p:sp>
         <p:nvSpPr>
-          <p:cNvPr id="174" name="Google Shape;174;g710ce57c72_0_79:notes"/>
+          <p:cNvPr id="181" name="Google Shape;181;g710ce57c72_0_79:notes"/>
           <p:cNvSpPr/>
           <p:nvPr>
             <p:ph idx="2" type="sldImg"/>
@@ -1174,7 +1174,7 @@
       </p:sp>
       <p:sp>
         <p:nvSpPr>
-          <p:cNvPr id="175" name="Google Shape;175;g710ce57c72_0_79:notes"/>
+          <p:cNvPr id="182" name="Google Shape;182;g710ce57c72_0_79:notes"/>
           <p:cNvSpPr txBox="1"/>
           <p:nvPr>
             <p:ph idx="1" type="body"/>
@@ -1224,7 +1224,7 @@
   <p:cSld>
     <p:spTree>
       <p:nvGrpSpPr>
-        <p:cNvPr id="180" name="Shape 180"/>
+        <p:cNvPr id="187" name="Shape 187"/>
         <p:cNvGrpSpPr/>
         <p:nvPr/>
       </p:nvGrpSpPr>
@@ -1238,7 +1238,7 @@
       </p:grpSpPr>
       <p:sp>
         <p:nvSpPr>
-          <p:cNvPr id="181" name="Google Shape;181;g710ce57c72_0_87:notes"/>
+          <p:cNvPr id="188" name="Google Shape;188;g710ce57c72_0_87:notes"/>
           <p:cNvSpPr/>
           <p:nvPr>
             <p:ph idx="2" type="sldImg"/>
@@ -1273,7 +1273,7 @@
       </p:sp>
       <p:sp>
         <p:nvSpPr>
-          <p:cNvPr id="182" name="Google Shape;182;g710ce57c72_0_87:notes"/>
+          <p:cNvPr id="189" name="Google Shape;189;g710ce57c72_0_87:notes"/>
           <p:cNvSpPr txBox="1"/>
           <p:nvPr>
             <p:ph idx="1" type="body"/>
@@ -1323,7 +1323,7 @@
   <p:cSld>
     <p:spTree>
       <p:nvGrpSpPr>
-        <p:cNvPr id="188" name="Shape 188"/>
+        <p:cNvPr id="195" name="Shape 195"/>
         <p:cNvGrpSpPr/>
         <p:nvPr/>
       </p:nvGrpSpPr>
@@ -1337,7 +1337,7 @@
       </p:grpSpPr>
       <p:sp>
         <p:nvSpPr>
-          <p:cNvPr id="189" name="Google Shape;189;g710ce57c72_0_101:notes"/>
+          <p:cNvPr id="196" name="Google Shape;196;g710ce57c72_0_101:notes"/>
           <p:cNvSpPr/>
           <p:nvPr>
             <p:ph idx="2" type="sldImg"/>
@@ -1372,7 +1372,7 @@
       </p:sp>
       <p:sp>
         <p:nvSpPr>
-          <p:cNvPr id="190" name="Google Shape;190;g710ce57c72_0_101:notes"/>
+          <p:cNvPr id="197" name="Google Shape;197;g710ce57c72_0_101:notes"/>
           <p:cNvSpPr txBox="1"/>
           <p:nvPr>
             <p:ph idx="1" type="body"/>
@@ -1422,7 +1422,7 @@
   <p:cSld>
     <p:spTree>
       <p:nvGrpSpPr>
-        <p:cNvPr id="220" name="Shape 220"/>
+        <p:cNvPr id="227" name="Shape 227"/>
         <p:cNvGrpSpPr/>
         <p:nvPr/>
       </p:nvGrpSpPr>
@@ -1436,7 +1436,7 @@
       </p:grpSpPr>
       <p:sp>
         <p:nvSpPr>
-          <p:cNvPr id="221" name="Google Shape;221;g710ce57c72_0_142:notes"/>
+          <p:cNvPr id="228" name="Google Shape;228;g710ce57c72_0_142:notes"/>
           <p:cNvSpPr/>
           <p:nvPr>
             <p:ph idx="2" type="sldImg"/>
@@ -1471,7 +1471,7 @@
       </p:sp>
       <p:sp>
         <p:nvSpPr>
-          <p:cNvPr id="222" name="Google Shape;222;g710ce57c72_0_142:notes"/>
+          <p:cNvPr id="229" name="Google Shape;229;g710ce57c72_0_142:notes"/>
           <p:cNvSpPr txBox="1"/>
           <p:nvPr>
             <p:ph idx="1" type="body"/>
@@ -1521,7 +1521,7 @@
   <p:cSld>
     <p:spTree>
       <p:nvGrpSpPr>
-        <p:cNvPr id="227" name="Shape 227"/>
+        <p:cNvPr id="234" name="Shape 234"/>
         <p:cNvGrpSpPr/>
         <p:nvPr/>
       </p:nvGrpSpPr>
@@ -1535,7 +1535,7 @@
       </p:grpSpPr>
       <p:sp>
         <p:nvSpPr>
-          <p:cNvPr id="228" name="Google Shape;228;g710ce57c72_0_157:notes"/>
+          <p:cNvPr id="235" name="Google Shape;235;g710ce57c72_0_157:notes"/>
           <p:cNvSpPr/>
           <p:nvPr>
             <p:ph idx="2" type="sldImg"/>
@@ -1570,7 +1570,7 @@
       </p:sp>
       <p:sp>
         <p:nvSpPr>
-          <p:cNvPr id="229" name="Google Shape;229;g710ce57c72_0_157:notes"/>
+          <p:cNvPr id="236" name="Google Shape;236;g710ce57c72_0_157:notes"/>
           <p:cNvSpPr txBox="1"/>
           <p:nvPr>
             <p:ph idx="1" type="body"/>
@@ -1620,7 +1620,7 @@
   <p:cSld>
     <p:spTree>
       <p:nvGrpSpPr>
-        <p:cNvPr id="234" name="Shape 234"/>
+        <p:cNvPr id="241" name="Shape 241"/>
         <p:cNvGrpSpPr/>
         <p:nvPr/>
       </p:nvGrpSpPr>
@@ -1634,7 +1634,7 @@
       </p:grpSpPr>
       <p:sp>
         <p:nvSpPr>
-          <p:cNvPr id="235" name="Google Shape;235;g710ce57c72_0_184:notes"/>
+          <p:cNvPr id="242" name="Google Shape;242;g710ce57c72_0_184:notes"/>
           <p:cNvSpPr/>
           <p:nvPr>
             <p:ph idx="2" type="sldImg"/>
@@ -1669,7 +1669,7 @@
       </p:sp>
       <p:sp>
         <p:nvSpPr>
-          <p:cNvPr id="236" name="Google Shape;236;g710ce57c72_0_184:notes"/>
+          <p:cNvPr id="243" name="Google Shape;243;g710ce57c72_0_184:notes"/>
           <p:cNvSpPr txBox="1"/>
           <p:nvPr>
             <p:ph idx="1" type="body"/>
@@ -1719,7 +1719,7 @@
   <p:cSld>
     <p:spTree>
       <p:nvGrpSpPr>
-        <p:cNvPr id="239" name="Shape 239"/>
+        <p:cNvPr id="246" name="Shape 246"/>
         <p:cNvGrpSpPr/>
         <p:nvPr/>
       </p:nvGrpSpPr>
@@ -1733,7 +1733,7 @@
       </p:grpSpPr>
       <p:sp>
         <p:nvSpPr>
-          <p:cNvPr id="240" name="Google Shape;240;g710ce57c72_0_129:notes"/>
+          <p:cNvPr id="247" name="Google Shape;247;g710ce57c72_0_129:notes"/>
           <p:cNvSpPr/>
           <p:nvPr>
             <p:ph idx="2" type="sldImg"/>
@@ -1768,7 +1768,7 @@
       </p:sp>
       <p:sp>
         <p:nvSpPr>
-          <p:cNvPr id="241" name="Google Shape;241;g710ce57c72_0_129:notes"/>
+          <p:cNvPr id="248" name="Google Shape;248;g710ce57c72_0_129:notes"/>
           <p:cNvSpPr txBox="1"/>
           <p:nvPr>
             <p:ph idx="1" type="body"/>
@@ -1923,7 +1923,7 @@
   <p:cSld>
     <p:spTree>
       <p:nvGrpSpPr>
-        <p:cNvPr id="245" name="Shape 245"/>
+        <p:cNvPr id="252" name="Shape 252"/>
         <p:cNvGrpSpPr/>
         <p:nvPr/>
       </p:nvGrpSpPr>
@@ -1937,7 +1937,7 @@
       </p:grpSpPr>
       <p:sp>
         <p:nvSpPr>
-          <p:cNvPr id="246" name="Google Shape;246;g710ce57c72_0_135:notes"/>
+          <p:cNvPr id="253" name="Google Shape;253;g710ce57c72_0_135:notes"/>
           <p:cNvSpPr/>
           <p:nvPr>
             <p:ph idx="2" type="sldImg"/>
@@ -1972,7 +1972,7 @@
       </p:sp>
       <p:sp>
         <p:nvSpPr>
-          <p:cNvPr id="247" name="Google Shape;247;g710ce57c72_0_135:notes"/>
+          <p:cNvPr id="254" name="Google Shape;254;g710ce57c72_0_135:notes"/>
           <p:cNvSpPr txBox="1"/>
           <p:nvPr>
             <p:ph idx="1" type="body"/>
@@ -2022,7 +2022,7 @@
   <p:cSld>
     <p:spTree>
       <p:nvGrpSpPr>
-        <p:cNvPr id="251" name="Shape 251"/>
+        <p:cNvPr id="258" name="Shape 258"/>
         <p:cNvGrpSpPr/>
         <p:nvPr/>
       </p:nvGrpSpPr>
@@ -2036,7 +2036,7 @@
       </p:grpSpPr>
       <p:sp>
         <p:nvSpPr>
-          <p:cNvPr id="252" name="Google Shape;252;g710ce57c72_0_175:notes"/>
+          <p:cNvPr id="259" name="Google Shape;259;g710ce57c72_0_175:notes"/>
           <p:cNvSpPr/>
           <p:nvPr>
             <p:ph idx="2" type="sldImg"/>
@@ -2071,7 +2071,7 @@
       </p:sp>
       <p:sp>
         <p:nvSpPr>
-          <p:cNvPr id="253" name="Google Shape;253;g710ce57c72_0_175:notes"/>
+          <p:cNvPr id="260" name="Google Shape;260;g710ce57c72_0_175:notes"/>
           <p:cNvSpPr txBox="1"/>
           <p:nvPr>
             <p:ph idx="1" type="body"/>
@@ -7549,7 +7549,7 @@
   <p:cSld>
     <p:spTree>
       <p:nvGrpSpPr>
-        <p:cNvPr id="130" name="Shape 130"/>
+        <p:cNvPr id="132" name="Shape 132"/>
         <p:cNvGrpSpPr/>
         <p:nvPr/>
       </p:nvGrpSpPr>
@@ -7563,7 +7563,7 @@
       </p:grpSpPr>
       <p:sp>
         <p:nvSpPr>
-          <p:cNvPr id="131" name="Google Shape;131;p22"/>
+          <p:cNvPr id="133" name="Google Shape;133;p22"/>
           <p:cNvSpPr txBox="1"/>
           <p:nvPr>
             <p:ph idx="1" type="body"/>
@@ -7611,14 +7611,14 @@
       </p:sp>
       <p:sp>
         <p:nvSpPr>
-          <p:cNvPr id="132" name="Google Shape;132;p22"/>
+          <p:cNvPr id="134" name="Google Shape;134;p22"/>
           <p:cNvSpPr txBox="1"/>
           <p:nvPr/>
         </p:nvSpPr>
         <p:spPr>
           <a:xfrm>
-            <a:off x="346950" y="847188"/>
-            <a:ext cx="8450100" cy="442200"/>
+            <a:off x="311700" y="706550"/>
+            <a:ext cx="2658000" cy="442200"/>
           </a:xfrm>
           <a:prstGeom prst="rect">
             <a:avLst/>
@@ -7668,7 +7668,7 @@
       </p:sp>
       <p:pic>
         <p:nvPicPr>
-          <p:cNvPr id="133" name="Google Shape;133;p22"/>
+          <p:cNvPr id="135" name="Google Shape;135;p22"/>
           <p:cNvPicPr preferRelativeResize="0"/>
           <p:nvPr/>
         </p:nvPicPr>
@@ -7682,8 +7682,8 @@
         </p:blipFill>
         <p:spPr>
           <a:xfrm>
-            <a:off x="1116825" y="1848475"/>
-            <a:ext cx="2187274" cy="2917650"/>
+            <a:off x="431950" y="1848475"/>
+            <a:ext cx="2187275" cy="2917650"/>
           </a:xfrm>
           <a:prstGeom prst="rect">
             <a:avLst/>
@@ -7696,13 +7696,13 @@
       </p:pic>
       <p:sp>
         <p:nvSpPr>
-          <p:cNvPr id="134" name="Google Shape;134;p22"/>
+          <p:cNvPr id="136" name="Google Shape;136;p22"/>
           <p:cNvSpPr txBox="1"/>
           <p:nvPr/>
         </p:nvSpPr>
         <p:spPr>
           <a:xfrm>
-            <a:off x="826713" y="1347838"/>
+            <a:off x="256938" y="1277500"/>
             <a:ext cx="2767500" cy="442200"/>
           </a:xfrm>
           <a:prstGeom prst="rect">
@@ -7733,113 +7733,6 @@
               <a:t>WHAT? WHY???</a:t>
             </a:r>
             <a:endParaRPr b="1"/>
-          </a:p>
-        </p:txBody>
-      </p:sp>
-      <p:sp>
-        <p:nvSpPr>
-          <p:cNvPr id="135" name="Google Shape;135;p22"/>
-          <p:cNvSpPr txBox="1"/>
-          <p:nvPr/>
-        </p:nvSpPr>
-        <p:spPr>
-          <a:xfrm>
-            <a:off x="3941475" y="846325"/>
-            <a:ext cx="4668300" cy="894600"/>
-          </a:xfrm>
-          <a:prstGeom prst="rect">
-            <a:avLst/>
-          </a:prstGeom>
-          <a:noFill/>
-          <a:ln>
-            <a:noFill/>
-          </a:ln>
-        </p:spPr>
-        <p:txBody>
-          <a:bodyPr anchorCtr="0" anchor="t" bIns="91425" lIns="91425" spcFirstLastPara="1" rIns="91425" wrap="square" tIns="91425">
-            <a:noAutofit/>
-          </a:bodyPr>
-          <a:lstStyle/>
-          <a:p>
-            <a:pPr indent="0" lvl="0" marL="0" rtl="0" algn="l">
-              <a:spcBef>
-                <a:spcPts val="0"/>
-              </a:spcBef>
-              <a:spcAft>
-                <a:spcPts val="0"/>
-              </a:spcAft>
-              <a:buNone/>
-            </a:pPr>
-            <a:r>
-              <a:rPr lang="en" sz="1600"/>
-              <a:t>The inherent </a:t>
-            </a:r>
-            <a:r>
-              <a:rPr b="1" lang="en" sz="1600"/>
-              <a:t>SEQUENTIAL </a:t>
-            </a:r>
-            <a:r>
-              <a:rPr lang="en" sz="1600"/>
-              <a:t>structure of data is important information that we cannot ignore, and all neural network architectures that we’ve learnt thus far are rigid and fixed. Using the models we have learnt before on text is akin to… </a:t>
-            </a:r>
-            <a:endParaRPr sz="1600"/>
-          </a:p>
-        </p:txBody>
-      </p:sp>
-      <p:sp>
-        <p:nvSpPr>
-          <p:cNvPr id="136" name="Google Shape;136;p22"/>
-          <p:cNvSpPr txBox="1"/>
-          <p:nvPr/>
-        </p:nvSpPr>
-        <p:spPr>
-          <a:xfrm>
-            <a:off x="3941475" y="2394000"/>
-            <a:ext cx="4668300" cy="810600"/>
-          </a:xfrm>
-          <a:prstGeom prst="rect">
-            <a:avLst/>
-          </a:prstGeom>
-          <a:noFill/>
-          <a:ln>
-            <a:noFill/>
-          </a:ln>
-        </p:spPr>
-        <p:txBody>
-          <a:bodyPr anchorCtr="0" anchor="t" bIns="91425" lIns="91425" spcFirstLastPara="1" rIns="91425" wrap="square" tIns="91425">
-            <a:noAutofit/>
-          </a:bodyPr>
-          <a:lstStyle/>
-          <a:p>
-            <a:pPr indent="0" lvl="0" marL="0" rtl="0" algn="l">
-              <a:spcBef>
-                <a:spcPts val="0"/>
-              </a:spcBef>
-              <a:spcAft>
-                <a:spcPts val="0"/>
-              </a:spcAft>
-              <a:buNone/>
-            </a:pPr>
-            <a:r>
-              <a:rPr lang="en" sz="1600"/>
-              <a:t>Watching a live action movie with all the frames being presented at once rather than sequentially. </a:t>
-            </a:r>
-            <a:endParaRPr sz="1600"/>
-          </a:p>
-          <a:p>
-            <a:pPr indent="0" lvl="0" marL="0" rtl="0" algn="l">
-              <a:spcBef>
-                <a:spcPts val="0"/>
-              </a:spcBef>
-              <a:spcAft>
-                <a:spcPts val="0"/>
-              </a:spcAft>
-              <a:buNone/>
-            </a:pPr>
-            <a:r>
-              <a:t/>
-            </a:r>
-            <a:endParaRPr/>
           </a:p>
         </p:txBody>
       </p:sp>
@@ -7851,8 +7744,8 @@
         </p:nvSpPr>
         <p:spPr>
           <a:xfrm>
-            <a:off x="3941475" y="3120750"/>
-            <a:ext cx="4668300" cy="810600"/>
+            <a:off x="3675900" y="825100"/>
+            <a:ext cx="4668300" cy="894600"/>
           </a:xfrm>
           <a:prstGeom prst="rect">
             <a:avLst/>
@@ -7879,7 +7772,15 @@
             </a:pPr>
             <a:r>
               <a:rPr lang="en" sz="1600"/>
-              <a:t>Playing all the notes/keys of a piano in an instant rather than sequentially. </a:t>
+              <a:t>The inherent </a:t>
+            </a:r>
+            <a:r>
+              <a:rPr b="1" lang="en" sz="1600"/>
+              <a:t>SEQUENTIAL </a:t>
+            </a:r>
+            <a:r>
+              <a:rPr lang="en" sz="1600"/>
+              <a:t>structure of data is important information that we cannot ignore, and all neural network architectures that we’ve learnt thus far are rigid and fixed. </a:t>
             </a:r>
             <a:endParaRPr sz="1600"/>
           </a:p>
@@ -7893,8 +7794,8 @@
         </p:nvSpPr>
         <p:spPr>
           <a:xfrm>
-            <a:off x="3941475" y="3857675"/>
-            <a:ext cx="4668300" cy="810600"/>
+            <a:off x="3696900" y="2079488"/>
+            <a:ext cx="4626300" cy="642900"/>
           </a:xfrm>
           <a:prstGeom prst="rect">
             <a:avLst/>
@@ -7921,12 +7822,96 @@
             </a:pPr>
             <a:r>
               <a:rPr lang="en" sz="1600"/>
-              <a:t>Reading a book and processing all the information at once rather than sequentially (chapter by chapter).</a:t>
+              <a:t>Examples data/information that makes sense sequentially are:</a:t>
             </a:r>
             <a:endParaRPr sz="1600"/>
           </a:p>
         </p:txBody>
       </p:sp>
+      <p:pic>
+        <p:nvPicPr>
+          <p:cNvPr id="139" name="Google Shape;139;p22"/>
+          <p:cNvPicPr preferRelativeResize="0"/>
+          <p:nvPr/>
+        </p:nvPicPr>
+        <p:blipFill>
+          <a:blip r:embed="rId4">
+            <a:alphaModFix/>
+          </a:blip>
+          <a:stretch>
+            <a:fillRect/>
+          </a:stretch>
+        </p:blipFill>
+        <p:spPr>
+          <a:xfrm>
+            <a:off x="3532525" y="3284600"/>
+            <a:ext cx="1631700" cy="1004125"/>
+          </a:xfrm>
+          <a:prstGeom prst="rect">
+            <a:avLst/>
+          </a:prstGeom>
+          <a:noFill/>
+          <a:ln>
+            <a:noFill/>
+          </a:ln>
+        </p:spPr>
+      </p:pic>
+      <p:pic>
+        <p:nvPicPr>
+          <p:cNvPr id="140" name="Google Shape;140;p22"/>
+          <p:cNvPicPr preferRelativeResize="0"/>
+          <p:nvPr/>
+        </p:nvPicPr>
+        <p:blipFill>
+          <a:blip r:embed="rId5">
+            <a:alphaModFix/>
+          </a:blip>
+          <a:stretch>
+            <a:fillRect/>
+          </a:stretch>
+        </p:blipFill>
+        <p:spPr>
+          <a:xfrm>
+            <a:off x="5303771" y="2858173"/>
+            <a:ext cx="1412554" cy="2095800"/>
+          </a:xfrm>
+          <a:prstGeom prst="rect">
+            <a:avLst/>
+          </a:prstGeom>
+          <a:noFill/>
+          <a:ln>
+            <a:noFill/>
+          </a:ln>
+        </p:spPr>
+      </p:pic>
+      <p:pic>
+        <p:nvPicPr>
+          <p:cNvPr id="141" name="Google Shape;141;p22"/>
+          <p:cNvPicPr preferRelativeResize="0"/>
+          <p:nvPr/>
+        </p:nvPicPr>
+        <p:blipFill>
+          <a:blip r:embed="rId6">
+            <a:alphaModFix/>
+          </a:blip>
+          <a:stretch>
+            <a:fillRect/>
+          </a:stretch>
+        </p:blipFill>
+        <p:spPr>
+          <a:xfrm>
+            <a:off x="6855875" y="3284612"/>
+            <a:ext cx="1994350" cy="1242950"/>
+          </a:xfrm>
+          <a:prstGeom prst="rect">
+            <a:avLst/>
+          </a:prstGeom>
+          <a:noFill/>
+          <a:ln>
+            <a:noFill/>
+          </a:ln>
+        </p:spPr>
+      </p:pic>
     </p:spTree>
   </p:cSld>
   <p:clrMapOvr>
@@ -7966,7 +7951,7 @@
                                           </p:stCondLst>
                                         </p:cTn>
                                         <p:tgtEl>
-                                          <p:spTgt spid="132"/>
+                                          <p:spTgt spid="134"/>
                                         </p:tgtEl>
                                         <p:attrNameLst>
                                           <p:attrName>style.visibility</p:attrName>
@@ -7980,7 +7965,7 @@
                                       <p:cBhvr>
                                         <p:cTn dur="1000"/>
                                         <p:tgtEl>
-                                          <p:spTgt spid="132"/>
+                                          <p:spTgt spid="134"/>
                                         </p:tgtEl>
                                       </p:cBhvr>
                                     </p:animEffect>
@@ -8019,7 +8004,7 @@
                                           </p:stCondLst>
                                         </p:cTn>
                                         <p:tgtEl>
-                                          <p:spTgt spid="134"/>
+                                          <p:spTgt spid="136"/>
                                         </p:tgtEl>
                                         <p:attrNameLst>
                                           <p:attrName>style.visibility</p:attrName>
@@ -8033,7 +8018,7 @@
                                       <p:cBhvr>
                                         <p:cTn dur="1000"/>
                                         <p:tgtEl>
-                                          <p:spTgt spid="134"/>
+                                          <p:spTgt spid="136"/>
                                         </p:tgtEl>
                                       </p:cBhvr>
                                     </p:animEffect>
@@ -8054,7 +8039,7 @@
                                           </p:stCondLst>
                                         </p:cTn>
                                         <p:tgtEl>
-                                          <p:spTgt spid="133"/>
+                                          <p:spTgt spid="135"/>
                                         </p:tgtEl>
                                         <p:attrNameLst>
                                           <p:attrName>style.visibility</p:attrName>
@@ -8068,7 +8053,7 @@
                                       <p:cBhvr>
                                         <p:cTn dur="1000"/>
                                         <p:tgtEl>
-                                          <p:spTgt spid="133"/>
+                                          <p:spTgt spid="135"/>
                                         </p:tgtEl>
                                       </p:cBhvr>
                                     </p:animEffect>
@@ -8107,7 +8092,7 @@
                                           </p:stCondLst>
                                         </p:cTn>
                                         <p:tgtEl>
-                                          <p:spTgt spid="134"/>
+                                          <p:spTgt spid="136"/>
                                         </p:tgtEl>
                                         <p:attrNameLst>
                                           <p:attrName>style.visibility</p:attrName>
@@ -8134,7 +8119,7 @@
                                           </p:stCondLst>
                                         </p:cTn>
                                         <p:tgtEl>
-                                          <p:spTgt spid="133"/>
+                                          <p:spTgt spid="135"/>
                                         </p:tgtEl>
                                         <p:attrNameLst>
                                           <p:attrName>style.visibility</p:attrName>
@@ -8179,7 +8164,7 @@
                                           </p:stCondLst>
                                         </p:cTn>
                                         <p:tgtEl>
-                                          <p:spTgt spid="135"/>
+                                          <p:spTgt spid="137"/>
                                         </p:tgtEl>
                                         <p:attrNameLst>
                                           <p:attrName>style.visibility</p:attrName>
@@ -8193,7 +8178,7 @@
                                       <p:cBhvr>
                                         <p:cTn dur="1000"/>
                                         <p:tgtEl>
-                                          <p:spTgt spid="135"/>
+                                          <p:spTgt spid="137"/>
                                         </p:tgtEl>
                                       </p:cBhvr>
                                     </p:animEffect>
@@ -8232,7 +8217,7 @@
                                           </p:stCondLst>
                                         </p:cTn>
                                         <p:tgtEl>
-                                          <p:spTgt spid="136"/>
+                                          <p:spTgt spid="139"/>
                                         </p:tgtEl>
                                         <p:attrNameLst>
                                           <p:attrName>style.visibility</p:attrName>
@@ -8246,7 +8231,7 @@
                                       <p:cBhvr>
                                         <p:cTn dur="1000"/>
                                         <p:tgtEl>
-                                          <p:spTgt spid="136"/>
+                                          <p:spTgt spid="139"/>
                                         </p:tgtEl>
                                       </p:cBhvr>
                                     </p:animEffect>
@@ -8285,7 +8270,7 @@
                                           </p:stCondLst>
                                         </p:cTn>
                                         <p:tgtEl>
-                                          <p:spTgt spid="137"/>
+                                          <p:spTgt spid="140"/>
                                         </p:tgtEl>
                                         <p:attrNameLst>
                                           <p:attrName>style.visibility</p:attrName>
@@ -8299,7 +8284,7 @@
                                       <p:cBhvr>
                                         <p:cTn dur="1000"/>
                                         <p:tgtEl>
-                                          <p:spTgt spid="137"/>
+                                          <p:spTgt spid="140"/>
                                         </p:tgtEl>
                                       </p:cBhvr>
                                     </p:animEffect>
@@ -8338,7 +8323,7 @@
                                           </p:stCondLst>
                                         </p:cTn>
                                         <p:tgtEl>
-                                          <p:spTgt spid="138"/>
+                                          <p:spTgt spid="141"/>
                                         </p:tgtEl>
                                         <p:attrNameLst>
                                           <p:attrName>style.visibility</p:attrName>
@@ -8352,7 +8337,7 @@
                                       <p:cBhvr>
                                         <p:cTn dur="1000"/>
                                         <p:tgtEl>
-                                          <p:spTgt spid="138"/>
+                                          <p:spTgt spid="141"/>
                                         </p:tgtEl>
                                       </p:cBhvr>
                                     </p:animEffect>
@@ -8395,7 +8380,7 @@
   <p:cSld>
     <p:spTree>
       <p:nvGrpSpPr>
-        <p:cNvPr id="142" name="Shape 142"/>
+        <p:cNvPr id="145" name="Shape 145"/>
         <p:cNvGrpSpPr/>
         <p:nvPr/>
       </p:nvGrpSpPr>
@@ -8409,7 +8394,7 @@
       </p:grpSpPr>
       <p:sp>
         <p:nvSpPr>
-          <p:cNvPr id="143" name="Google Shape;143;p23"/>
+          <p:cNvPr id="146" name="Google Shape;146;p23"/>
           <p:cNvSpPr/>
           <p:nvPr/>
         </p:nvSpPr>
@@ -8459,7 +8444,7 @@
       </p:sp>
       <p:sp>
         <p:nvSpPr>
-          <p:cNvPr id="144" name="Google Shape;144;p23"/>
+          <p:cNvPr id="147" name="Google Shape;147;p23"/>
           <p:cNvSpPr/>
           <p:nvPr/>
         </p:nvSpPr>
@@ -8509,7 +8494,7 @@
       </p:sp>
       <p:sp>
         <p:nvSpPr>
-          <p:cNvPr id="145" name="Google Shape;145;p23"/>
+          <p:cNvPr id="148" name="Google Shape;148;p23"/>
           <p:cNvSpPr txBox="1"/>
           <p:nvPr/>
         </p:nvSpPr>
@@ -8592,7 +8577,7 @@
       </p:sp>
       <p:sp>
         <p:nvSpPr>
-          <p:cNvPr id="146" name="Google Shape;146;p23"/>
+          <p:cNvPr id="149" name="Google Shape;149;p23"/>
           <p:cNvSpPr/>
           <p:nvPr/>
         </p:nvSpPr>
@@ -8642,7 +8627,7 @@
       </p:sp>
       <p:sp>
         <p:nvSpPr>
-          <p:cNvPr id="147" name="Google Shape;147;p23"/>
+          <p:cNvPr id="150" name="Google Shape;150;p23"/>
           <p:cNvSpPr txBox="1"/>
           <p:nvPr/>
         </p:nvSpPr>
@@ -8690,10 +8675,10 @@
       </p:sp>
       <p:cxnSp>
         <p:nvCxnSpPr>
-          <p:cNvPr id="148" name="Google Shape;148;p23"/>
+          <p:cNvPr id="151" name="Google Shape;151;p23"/>
           <p:cNvCxnSpPr>
-            <a:stCxn id="143" idx="0"/>
-            <a:endCxn id="147" idx="2"/>
+            <a:stCxn id="146" idx="0"/>
+            <a:endCxn id="150" idx="2"/>
           </p:cNvCxnSpPr>
           <p:nvPr/>
         </p:nvCxnSpPr>
@@ -8719,9 +8704,9 @@
       </p:cxnSp>
       <p:cxnSp>
         <p:nvCxnSpPr>
-          <p:cNvPr id="149" name="Google Shape;149;p23"/>
+          <p:cNvPr id="152" name="Google Shape;152;p23"/>
           <p:cNvCxnSpPr>
-            <a:stCxn id="147" idx="0"/>
+            <a:stCxn id="150" idx="0"/>
           </p:cNvCxnSpPr>
           <p:nvPr/>
         </p:nvCxnSpPr>
@@ -8747,7 +8732,7 @@
       </p:cxnSp>
       <p:sp>
         <p:nvSpPr>
-          <p:cNvPr id="150" name="Google Shape;150;p23"/>
+          <p:cNvPr id="153" name="Google Shape;153;p23"/>
           <p:cNvSpPr txBox="1"/>
           <p:nvPr>
             <p:ph idx="1" type="body"/>
@@ -8795,7 +8780,7 @@
       </p:sp>
       <p:sp>
         <p:nvSpPr>
-          <p:cNvPr id="151" name="Google Shape;151;p23"/>
+          <p:cNvPr id="154" name="Google Shape;154;p23"/>
           <p:cNvSpPr txBox="1"/>
           <p:nvPr/>
         </p:nvSpPr>
@@ -8852,9 +8837,9 @@
       </p:sp>
       <p:cxnSp>
         <p:nvCxnSpPr>
-          <p:cNvPr id="152" name="Google Shape;152;p23"/>
+          <p:cNvPr id="155" name="Google Shape;155;p23"/>
           <p:cNvCxnSpPr>
-            <a:endCxn id="151" idx="2"/>
+            <a:endCxn id="154" idx="2"/>
           </p:cNvCxnSpPr>
           <p:nvPr/>
         </p:nvCxnSpPr>
@@ -8880,9 +8865,9 @@
       </p:cxnSp>
       <p:cxnSp>
         <p:nvCxnSpPr>
-          <p:cNvPr id="153" name="Google Shape;153;p23"/>
+          <p:cNvPr id="156" name="Google Shape;156;p23"/>
           <p:cNvCxnSpPr>
-            <a:stCxn id="151" idx="0"/>
+            <a:stCxn id="154" idx="0"/>
           </p:cNvCxnSpPr>
           <p:nvPr/>
         </p:nvCxnSpPr>
@@ -8908,7 +8893,7 @@
       </p:cxnSp>
       <p:sp>
         <p:nvSpPr>
-          <p:cNvPr id="154" name="Google Shape;154;p23"/>
+          <p:cNvPr id="157" name="Google Shape;157;p23"/>
           <p:cNvSpPr txBox="1"/>
           <p:nvPr/>
         </p:nvSpPr>
@@ -8965,9 +8950,9 @@
       </p:sp>
       <p:cxnSp>
         <p:nvCxnSpPr>
-          <p:cNvPr id="155" name="Google Shape;155;p23"/>
+          <p:cNvPr id="158" name="Google Shape;158;p23"/>
           <p:cNvCxnSpPr>
-            <a:endCxn id="154" idx="2"/>
+            <a:endCxn id="157" idx="2"/>
           </p:cNvCxnSpPr>
           <p:nvPr/>
         </p:nvCxnSpPr>
@@ -8993,9 +8978,9 @@
       </p:cxnSp>
       <p:cxnSp>
         <p:nvCxnSpPr>
-          <p:cNvPr id="156" name="Google Shape;156;p23"/>
+          <p:cNvPr id="159" name="Google Shape;159;p23"/>
           <p:cNvCxnSpPr>
-            <a:stCxn id="154" idx="0"/>
+            <a:stCxn id="157" idx="0"/>
           </p:cNvCxnSpPr>
           <p:nvPr/>
         </p:nvCxnSpPr>
@@ -9021,7 +9006,7 @@
       </p:cxnSp>
       <p:sp>
         <p:nvSpPr>
-          <p:cNvPr id="157" name="Google Shape;157;p23"/>
+          <p:cNvPr id="160" name="Google Shape;160;p23"/>
           <p:cNvSpPr txBox="1"/>
           <p:nvPr/>
         </p:nvSpPr>
@@ -9069,10 +9054,10 @@
       </p:sp>
       <p:cxnSp>
         <p:nvCxnSpPr>
-          <p:cNvPr id="158" name="Google Shape;158;p23"/>
+          <p:cNvPr id="161" name="Google Shape;161;p23"/>
           <p:cNvCxnSpPr>
-            <a:stCxn id="147" idx="3"/>
-            <a:endCxn id="151" idx="1"/>
+            <a:stCxn id="150" idx="3"/>
+            <a:endCxn id="154" idx="1"/>
           </p:cNvCxnSpPr>
           <p:nvPr/>
         </p:nvCxnSpPr>
@@ -9098,7 +9083,7 @@
       </p:cxnSp>
       <p:cxnSp>
         <p:nvCxnSpPr>
-          <p:cNvPr id="159" name="Google Shape;159;p23"/>
+          <p:cNvPr id="162" name="Google Shape;162;p23"/>
           <p:cNvCxnSpPr/>
           <p:nvPr/>
         </p:nvCxnSpPr>
@@ -9124,7 +9109,7 @@
       </p:cxnSp>
       <p:sp>
         <p:nvSpPr>
-          <p:cNvPr id="160" name="Google Shape;160;p23"/>
+          <p:cNvPr id="163" name="Google Shape;163;p23"/>
           <p:cNvSpPr txBox="1"/>
           <p:nvPr/>
         </p:nvSpPr>
@@ -9172,7 +9157,7 @@
       </p:sp>
       <p:sp>
         <p:nvSpPr>
-          <p:cNvPr id="161" name="Google Shape;161;p23"/>
+          <p:cNvPr id="164" name="Google Shape;164;p23"/>
           <p:cNvSpPr txBox="1"/>
           <p:nvPr/>
         </p:nvSpPr>
@@ -9220,7 +9205,7 @@
       </p:sp>
       <p:cxnSp>
         <p:nvCxnSpPr>
-          <p:cNvPr id="162" name="Google Shape;162;p23"/>
+          <p:cNvPr id="165" name="Google Shape;165;p23"/>
           <p:cNvCxnSpPr/>
           <p:nvPr/>
         </p:nvCxnSpPr>
@@ -9246,7 +9231,7 @@
       </p:cxnSp>
       <p:pic>
         <p:nvPicPr>
-          <p:cNvPr id="163" name="Google Shape;163;p23"/>
+          <p:cNvPr id="166" name="Google Shape;166;p23"/>
           <p:cNvPicPr preferRelativeResize="0"/>
           <p:nvPr/>
         </p:nvPicPr>
@@ -9274,7 +9259,7 @@
       </p:pic>
       <p:sp>
         <p:nvSpPr>
-          <p:cNvPr id="164" name="Google Shape;164;p23"/>
+          <p:cNvPr id="167" name="Google Shape;167;p23"/>
           <p:cNvSpPr txBox="1"/>
           <p:nvPr/>
         </p:nvSpPr>
@@ -9317,6 +9302,142 @@
               <a:t>Recurrent Neural Network</a:t>
             </a:r>
             <a:endParaRPr b="1"/>
+          </a:p>
+        </p:txBody>
+      </p:sp>
+      <p:cxnSp>
+        <p:nvCxnSpPr>
+          <p:cNvPr id="168" name="Google Shape;168;p23"/>
+          <p:cNvCxnSpPr/>
+          <p:nvPr/>
+        </p:nvCxnSpPr>
+        <p:spPr>
+          <a:xfrm rot="10800000">
+            <a:off x="1834250" y="2787775"/>
+            <a:ext cx="0" cy="573000"/>
+          </a:xfrm>
+          <a:prstGeom prst="straightConnector1">
+            <a:avLst/>
+          </a:prstGeom>
+          <a:noFill/>
+          <a:ln cap="flat" cmpd="sng" w="9525">
+            <a:solidFill>
+              <a:schemeClr val="dk2"/>
+            </a:solidFill>
+            <a:prstDash val="solid"/>
+            <a:round/>
+            <a:headEnd len="med" w="med" type="none"/>
+            <a:tailEnd len="med" w="med" type="triangle"/>
+          </a:ln>
+        </p:spPr>
+      </p:cxnSp>
+      <p:sp>
+        <p:nvSpPr>
+          <p:cNvPr id="169" name="Google Shape;169;p23"/>
+          <p:cNvSpPr txBox="1"/>
+          <p:nvPr/>
+        </p:nvSpPr>
+        <p:spPr>
+          <a:xfrm>
+            <a:off x="1408350" y="3423925"/>
+            <a:ext cx="851700" cy="358200"/>
+          </a:xfrm>
+          <a:prstGeom prst="rect">
+            <a:avLst/>
+          </a:prstGeom>
+          <a:noFill/>
+          <a:ln>
+            <a:noFill/>
+          </a:ln>
+        </p:spPr>
+        <p:txBody>
+          <a:bodyPr anchorCtr="0" anchor="t" bIns="91425" lIns="91425" spcFirstLastPara="1" rIns="91425" wrap="square" tIns="91425">
+            <a:noAutofit/>
+          </a:bodyPr>
+          <a:lstStyle/>
+          <a:p>
+            <a:pPr indent="0" lvl="0" marL="0" rtl="0" algn="l">
+              <a:spcBef>
+                <a:spcPts val="0"/>
+              </a:spcBef>
+              <a:spcAft>
+                <a:spcPts val="0"/>
+              </a:spcAft>
+              <a:buNone/>
+            </a:pPr>
+            <a:r>
+              <a:rPr lang="en"/>
+              <a:t>Memory</a:t>
+            </a:r>
+            <a:endParaRPr/>
+          </a:p>
+        </p:txBody>
+      </p:sp>
+      <p:cxnSp>
+        <p:nvCxnSpPr>
+          <p:cNvPr id="170" name="Google Shape;170;p23"/>
+          <p:cNvCxnSpPr/>
+          <p:nvPr/>
+        </p:nvCxnSpPr>
+        <p:spPr>
+          <a:xfrm rot="10800000">
+            <a:off x="3404000" y="2787775"/>
+            <a:ext cx="0" cy="573000"/>
+          </a:xfrm>
+          <a:prstGeom prst="straightConnector1">
+            <a:avLst/>
+          </a:prstGeom>
+          <a:noFill/>
+          <a:ln cap="flat" cmpd="sng" w="9525">
+            <a:solidFill>
+              <a:schemeClr val="dk2"/>
+            </a:solidFill>
+            <a:prstDash val="solid"/>
+            <a:round/>
+            <a:headEnd len="med" w="med" type="none"/>
+            <a:tailEnd len="med" w="med" type="triangle"/>
+          </a:ln>
+        </p:spPr>
+      </p:cxnSp>
+      <p:sp>
+        <p:nvSpPr>
+          <p:cNvPr id="171" name="Google Shape;171;p23"/>
+          <p:cNvSpPr txBox="1"/>
+          <p:nvPr/>
+        </p:nvSpPr>
+        <p:spPr>
+          <a:xfrm>
+            <a:off x="2978100" y="3423925"/>
+            <a:ext cx="851700" cy="358200"/>
+          </a:xfrm>
+          <a:prstGeom prst="rect">
+            <a:avLst/>
+          </a:prstGeom>
+          <a:noFill/>
+          <a:ln>
+            <a:noFill/>
+          </a:ln>
+        </p:spPr>
+        <p:txBody>
+          <a:bodyPr anchorCtr="0" anchor="t" bIns="91425" lIns="91425" spcFirstLastPara="1" rIns="91425" wrap="square" tIns="91425">
+            <a:noAutofit/>
+          </a:bodyPr>
+          <a:lstStyle/>
+          <a:p>
+            <a:pPr indent="0" lvl="0" marL="0" rtl="0" algn="l">
+              <a:spcBef>
+                <a:spcPts val="0"/>
+              </a:spcBef>
+              <a:spcAft>
+                <a:spcPts val="0"/>
+              </a:spcAft>
+              <a:buNone/>
+            </a:pPr>
+            <a:r>
+              <a:rPr lang="en"/>
+              <a:t>Memory</a:t>
+            </a:r>
+            <a:endParaRPr/>
           </a:p>
         </p:txBody>
       </p:sp>
@@ -9359,7 +9480,7 @@
                                           </p:stCondLst>
                                         </p:cTn>
                                         <p:tgtEl>
-                                          <p:spTgt spid="143"/>
+                                          <p:spTgt spid="146"/>
                                         </p:tgtEl>
                                         <p:attrNameLst>
                                           <p:attrName>style.visibility</p:attrName>
@@ -9373,7 +9494,7 @@
                                       <p:cBhvr>
                                         <p:cTn dur="1000"/>
                                         <p:tgtEl>
-                                          <p:spTgt spid="143"/>
+                                          <p:spTgt spid="146"/>
                                         </p:tgtEl>
                                       </p:cBhvr>
                                     </p:animEffect>
@@ -9394,7 +9515,7 @@
                                           </p:stCondLst>
                                         </p:cTn>
                                         <p:tgtEl>
-                                          <p:spTgt spid="144"/>
+                                          <p:spTgt spid="147"/>
                                         </p:tgtEl>
                                         <p:attrNameLst>
                                           <p:attrName>style.visibility</p:attrName>
@@ -9408,7 +9529,7 @@
                                       <p:cBhvr>
                                         <p:cTn dur="1000"/>
                                         <p:tgtEl>
-                                          <p:spTgt spid="144"/>
+                                          <p:spTgt spid="147"/>
                                         </p:tgtEl>
                                       </p:cBhvr>
                                     </p:animEffect>
@@ -9429,7 +9550,7 @@
                                           </p:stCondLst>
                                         </p:cTn>
                                         <p:tgtEl>
-                                          <p:spTgt spid="146"/>
+                                          <p:spTgt spid="149"/>
                                         </p:tgtEl>
                                         <p:attrNameLst>
                                           <p:attrName>style.visibility</p:attrName>
@@ -9443,7 +9564,7 @@
                                       <p:cBhvr>
                                         <p:cTn dur="1000"/>
                                         <p:tgtEl>
-                                          <p:spTgt spid="146"/>
+                                          <p:spTgt spid="149"/>
                                         </p:tgtEl>
                                       </p:cBhvr>
                                     </p:animEffect>
@@ -9464,7 +9585,7 @@
                                           </p:stCondLst>
                                         </p:cTn>
                                         <p:tgtEl>
-                                          <p:spTgt spid="145"/>
+                                          <p:spTgt spid="148"/>
                                         </p:tgtEl>
                                         <p:attrNameLst>
                                           <p:attrName>style.visibility</p:attrName>
@@ -9478,7 +9599,7 @@
                                       <p:cBhvr>
                                         <p:cTn dur="1000"/>
                                         <p:tgtEl>
-                                          <p:spTgt spid="145"/>
+                                          <p:spTgt spid="148"/>
                                         </p:tgtEl>
                                       </p:cBhvr>
                                     </p:animEffect>
@@ -9517,7 +9638,7 @@
                                           </p:stCondLst>
                                         </p:cTn>
                                         <p:tgtEl>
-                                          <p:spTgt spid="147"/>
+                                          <p:spTgt spid="150"/>
                                         </p:tgtEl>
                                         <p:attrNameLst>
                                           <p:attrName>style.visibility</p:attrName>
@@ -9531,7 +9652,7 @@
                                       <p:cBhvr>
                                         <p:cTn dur="1000"/>
                                         <p:tgtEl>
-                                          <p:spTgt spid="147"/>
+                                          <p:spTgt spid="150"/>
                                         </p:tgtEl>
                                       </p:cBhvr>
                                     </p:animEffect>
@@ -9552,7 +9673,7 @@
                                           </p:stCondLst>
                                         </p:cTn>
                                         <p:tgtEl>
-                                          <p:spTgt spid="148"/>
+                                          <p:spTgt spid="151"/>
                                         </p:tgtEl>
                                         <p:attrNameLst>
                                           <p:attrName>style.visibility</p:attrName>
@@ -9566,7 +9687,7 @@
                                       <p:cBhvr>
                                         <p:cTn dur="1000"/>
                                         <p:tgtEl>
-                                          <p:spTgt spid="148"/>
+                                          <p:spTgt spid="151"/>
                                         </p:tgtEl>
                                       </p:cBhvr>
                                     </p:animEffect>
@@ -9587,7 +9708,7 @@
                                           </p:stCondLst>
                                         </p:cTn>
                                         <p:tgtEl>
-                                          <p:spTgt spid="149"/>
+                                          <p:spTgt spid="152"/>
                                         </p:tgtEl>
                                         <p:attrNameLst>
                                           <p:attrName>style.visibility</p:attrName>
@@ -9601,7 +9722,7 @@
                                       <p:cBhvr>
                                         <p:cTn dur="1000"/>
                                         <p:tgtEl>
-                                          <p:spTgt spid="149"/>
+                                          <p:spTgt spid="152"/>
                                         </p:tgtEl>
                                       </p:cBhvr>
                                     </p:animEffect>
@@ -9622,7 +9743,7 @@
                                           </p:stCondLst>
                                         </p:cTn>
                                         <p:tgtEl>
-                                          <p:spTgt spid="157"/>
+                                          <p:spTgt spid="160"/>
                                         </p:tgtEl>
                                         <p:attrNameLst>
                                           <p:attrName>style.visibility</p:attrName>
@@ -9636,7 +9757,7 @@
                                       <p:cBhvr>
                                         <p:cTn dur="1000"/>
                                         <p:tgtEl>
-                                          <p:spTgt spid="157"/>
+                                          <p:spTgt spid="160"/>
                                         </p:tgtEl>
                                       </p:cBhvr>
                                     </p:animEffect>
@@ -9675,7 +9796,7 @@
                                           </p:stCondLst>
                                         </p:cTn>
                                         <p:tgtEl>
-                                          <p:spTgt spid="151"/>
+                                          <p:spTgt spid="154"/>
                                         </p:tgtEl>
                                         <p:attrNameLst>
                                           <p:attrName>style.visibility</p:attrName>
@@ -9689,7 +9810,7 @@
                                       <p:cBhvr>
                                         <p:cTn dur="1000"/>
                                         <p:tgtEl>
-                                          <p:spTgt spid="151"/>
+                                          <p:spTgt spid="154"/>
                                         </p:tgtEl>
                                       </p:cBhvr>
                                     </p:animEffect>
@@ -9710,7 +9831,7 @@
                                           </p:stCondLst>
                                         </p:cTn>
                                         <p:tgtEl>
-                                          <p:spTgt spid="152"/>
+                                          <p:spTgt spid="155"/>
                                         </p:tgtEl>
                                         <p:attrNameLst>
                                           <p:attrName>style.visibility</p:attrName>
@@ -9724,7 +9845,7 @@
                                       <p:cBhvr>
                                         <p:cTn dur="1000"/>
                                         <p:tgtEl>
-                                          <p:spTgt spid="152"/>
+                                          <p:spTgt spid="155"/>
                                         </p:tgtEl>
                                       </p:cBhvr>
                                     </p:animEffect>
@@ -9745,7 +9866,7 @@
                                           </p:stCondLst>
                                         </p:cTn>
                                         <p:tgtEl>
-                                          <p:spTgt spid="153"/>
+                                          <p:spTgt spid="156"/>
                                         </p:tgtEl>
                                         <p:attrNameLst>
                                           <p:attrName>style.visibility</p:attrName>
@@ -9759,7 +9880,7 @@
                                       <p:cBhvr>
                                         <p:cTn dur="1000"/>
                                         <p:tgtEl>
-                                          <p:spTgt spid="153"/>
+                                          <p:spTgt spid="156"/>
                                         </p:tgtEl>
                                       </p:cBhvr>
                                     </p:animEffect>
@@ -9780,7 +9901,7 @@
                                           </p:stCondLst>
                                         </p:cTn>
                                         <p:tgtEl>
-                                          <p:spTgt spid="158"/>
+                                          <p:spTgt spid="161"/>
                                         </p:tgtEl>
                                         <p:attrNameLst>
                                           <p:attrName>style.visibility</p:attrName>
@@ -9794,7 +9915,7 @@
                                       <p:cBhvr>
                                         <p:cTn dur="1000"/>
                                         <p:tgtEl>
-                                          <p:spTgt spid="158"/>
+                                          <p:spTgt spid="161"/>
                                         </p:tgtEl>
                                       </p:cBhvr>
                                     </p:animEffect>
@@ -9815,7 +9936,7 @@
                                           </p:stCondLst>
                                         </p:cTn>
                                         <p:tgtEl>
-                                          <p:spTgt spid="160"/>
+                                          <p:spTgt spid="163"/>
                                         </p:tgtEl>
                                         <p:attrNameLst>
                                           <p:attrName>style.visibility</p:attrName>
@@ -9829,7 +9950,7 @@
                                       <p:cBhvr>
                                         <p:cTn dur="1000"/>
                                         <p:tgtEl>
-                                          <p:spTgt spid="160"/>
+                                          <p:spTgt spid="163"/>
                                         </p:tgtEl>
                                       </p:cBhvr>
                                     </p:animEffect>
@@ -9868,7 +9989,7 @@
                                           </p:stCondLst>
                                         </p:cTn>
                                         <p:tgtEl>
-                                          <p:spTgt spid="154"/>
+                                          <p:spTgt spid="157"/>
                                         </p:tgtEl>
                                         <p:attrNameLst>
                                           <p:attrName>style.visibility</p:attrName>
@@ -9882,7 +10003,7 @@
                                       <p:cBhvr>
                                         <p:cTn dur="900"/>
                                         <p:tgtEl>
-                                          <p:spTgt spid="154"/>
+                                          <p:spTgt spid="157"/>
                                         </p:tgtEl>
                                       </p:cBhvr>
                                     </p:animEffect>
@@ -9903,7 +10024,7 @@
                                           </p:stCondLst>
                                         </p:cTn>
                                         <p:tgtEl>
-                                          <p:spTgt spid="155"/>
+                                          <p:spTgt spid="158"/>
                                         </p:tgtEl>
                                         <p:attrNameLst>
                                           <p:attrName>style.visibility</p:attrName>
@@ -9917,7 +10038,7 @@
                                       <p:cBhvr>
                                         <p:cTn dur="1000"/>
                                         <p:tgtEl>
-                                          <p:spTgt spid="155"/>
+                                          <p:spTgt spid="158"/>
                                         </p:tgtEl>
                                       </p:cBhvr>
                                     </p:animEffect>
@@ -9938,7 +10059,7 @@
                                           </p:stCondLst>
                                         </p:cTn>
                                         <p:tgtEl>
-                                          <p:spTgt spid="159"/>
+                                          <p:spTgt spid="162"/>
                                         </p:tgtEl>
                                         <p:attrNameLst>
                                           <p:attrName>style.visibility</p:attrName>
@@ -9952,7 +10073,7 @@
                                       <p:cBhvr>
                                         <p:cTn dur="1000"/>
                                         <p:tgtEl>
-                                          <p:spTgt spid="159"/>
+                                          <p:spTgt spid="162"/>
                                         </p:tgtEl>
                                       </p:cBhvr>
                                     </p:animEffect>
@@ -9973,7 +10094,7 @@
                                           </p:stCondLst>
                                         </p:cTn>
                                         <p:tgtEl>
-                                          <p:spTgt spid="161"/>
+                                          <p:spTgt spid="164"/>
                                         </p:tgtEl>
                                         <p:attrNameLst>
                                           <p:attrName>style.visibility</p:attrName>
@@ -9987,7 +10108,7 @@
                                       <p:cBhvr>
                                         <p:cTn dur="1000"/>
                                         <p:tgtEl>
-                                          <p:spTgt spid="161"/>
+                                          <p:spTgt spid="164"/>
                                         </p:tgtEl>
                                       </p:cBhvr>
                                     </p:animEffect>
@@ -10008,7 +10129,7 @@
                                           </p:stCondLst>
                                         </p:cTn>
                                         <p:tgtEl>
-                                          <p:spTgt spid="156"/>
+                                          <p:spTgt spid="159"/>
                                         </p:tgtEl>
                                         <p:attrNameLst>
                                           <p:attrName>style.visibility</p:attrName>
@@ -10022,7 +10143,7 @@
                                       <p:cBhvr>
                                         <p:cTn dur="1000"/>
                                         <p:tgtEl>
-                                          <p:spTgt spid="156"/>
+                                          <p:spTgt spid="159"/>
                                         </p:tgtEl>
                                       </p:cBhvr>
                                     </p:animEffect>
@@ -10043,7 +10164,7 @@
                                           </p:stCondLst>
                                         </p:cTn>
                                         <p:tgtEl>
-                                          <p:spTgt spid="162"/>
+                                          <p:spTgt spid="165"/>
                                         </p:tgtEl>
                                         <p:attrNameLst>
                                           <p:attrName>style.visibility</p:attrName>
@@ -10057,7 +10178,7 @@
                                       <p:cBhvr>
                                         <p:cTn dur="1000"/>
                                         <p:tgtEl>
-                                          <p:spTgt spid="162"/>
+                                          <p:spTgt spid="165"/>
                                         </p:tgtEl>
                                       </p:cBhvr>
                                     </p:animEffect>
@@ -10096,7 +10217,7 @@
                                           </p:stCondLst>
                                         </p:cTn>
                                         <p:tgtEl>
-                                          <p:spTgt spid="163"/>
+                                          <p:spTgt spid="168"/>
                                         </p:tgtEl>
                                         <p:attrNameLst>
                                           <p:attrName>style.visibility</p:attrName>
@@ -10110,7 +10231,112 @@
                                       <p:cBhvr>
                                         <p:cTn dur="1000"/>
                                         <p:tgtEl>
-                                          <p:spTgt spid="163"/>
+                                          <p:spTgt spid="168"/>
+                                        </p:tgtEl>
+                                      </p:cBhvr>
+                                    </p:animEffect>
+                                  </p:childTnLst>
+                                </p:cTn>
+                              </p:par>
+                              <p:par>
+                                <p:cTn fill="hold" nodeType="withEffect" presetClass="entr" presetID="10" presetSubtype="0">
+                                  <p:stCondLst>
+                                    <p:cond delay="0"/>
+                                  </p:stCondLst>
+                                  <p:childTnLst>
+                                    <p:set>
+                                      <p:cBhvr>
+                                        <p:cTn dur="1" fill="hold">
+                                          <p:stCondLst>
+                                            <p:cond delay="0"/>
+                                          </p:stCondLst>
+                                        </p:cTn>
+                                        <p:tgtEl>
+                                          <p:spTgt spid="169"/>
+                                        </p:tgtEl>
+                                        <p:attrNameLst>
+                                          <p:attrName>style.visibility</p:attrName>
+                                        </p:attrNameLst>
+                                      </p:cBhvr>
+                                      <p:to>
+                                        <p:strVal val="visible"/>
+                                      </p:to>
+                                    </p:set>
+                                    <p:animEffect filter="fade" transition="in">
+                                      <p:cBhvr>
+                                        <p:cTn dur="1000"/>
+                                        <p:tgtEl>
+                                          <p:spTgt spid="169"/>
+                                        </p:tgtEl>
+                                      </p:cBhvr>
+                                    </p:animEffect>
+                                  </p:childTnLst>
+                                </p:cTn>
+                              </p:par>
+                              <p:par>
+                                <p:cTn fill="hold" nodeType="withEffect" presetClass="entr" presetID="10" presetSubtype="0">
+                                  <p:stCondLst>
+                                    <p:cond delay="0"/>
+                                  </p:stCondLst>
+                                  <p:childTnLst>
+                                    <p:set>
+                                      <p:cBhvr>
+                                        <p:cTn dur="1" fill="hold">
+                                          <p:stCondLst>
+                                            <p:cond delay="0"/>
+                                          </p:stCondLst>
+                                        </p:cTn>
+                                        <p:tgtEl>
+                                          <p:spTgt spid="170"/>
+                                        </p:tgtEl>
+                                        <p:attrNameLst>
+                                          <p:attrName>style.visibility</p:attrName>
+                                        </p:attrNameLst>
+                                      </p:cBhvr>
+                                      <p:to>
+                                        <p:strVal val="visible"/>
+                                      </p:to>
+                                    </p:set>
+                                    <p:animEffect filter="fade" transition="in">
+                                      <p:cBhvr>
+                                        <p:cTn dur="1000"/>
+                                        <p:tgtEl>
+                                          <p:spTgt spid="170"/>
+                                        </p:tgtEl>
+                                      </p:cBhvr>
+                                    </p:animEffect>
+                                  </p:childTnLst>
+                                </p:cTn>
+                              </p:par>
+                              <p:par>
+                                <p:cTn fill="hold" nodeType="withEffect" presetClass="entr" presetID="10" presetSubtype="0">
+                                  <p:stCondLst>
+                                    <p:cond delay="0"/>
+                                  </p:stCondLst>
+                                  <p:childTnLst>
+                                    <p:set>
+                                      <p:cBhvr>
+                                        <p:cTn dur="1" fill="hold">
+                                          <p:stCondLst>
+                                            <p:cond delay="0"/>
+                                          </p:stCondLst>
+                                        </p:cTn>
+                                        <p:tgtEl>
+                                          <p:spTgt spid="171"/>
+                                        </p:tgtEl>
+                                        <p:attrNameLst>
+                                          <p:attrName>style.visibility</p:attrName>
+                                        </p:attrNameLst>
+                                      </p:cBhvr>
+                                      <p:to>
+                                        <p:strVal val="visible"/>
+                                      </p:to>
+                                    </p:set>
+                                    <p:animEffect filter="fade" transition="in">
+                                      <p:cBhvr>
+                                        <p:cTn dur="1000"/>
+                                        <p:tgtEl>
+                                          <p:spTgt spid="171"/>
                                         </p:tgtEl>
                                       </p:cBhvr>
                                     </p:animEffect>
@@ -10149,7 +10375,7 @@
                                           </p:stCondLst>
                                         </p:cTn>
                                         <p:tgtEl>
-                                          <p:spTgt spid="164"/>
+                                          <p:spTgt spid="166"/>
                                         </p:tgtEl>
                                         <p:attrNameLst>
                                           <p:attrName>style.visibility</p:attrName>
@@ -10163,7 +10389,60 @@
                                       <p:cBhvr>
                                         <p:cTn dur="1000"/>
                                         <p:tgtEl>
-                                          <p:spTgt spid="164"/>
+                                          <p:spTgt spid="166"/>
+                                        </p:tgtEl>
+                                      </p:cBhvr>
+                                    </p:animEffect>
+                                  </p:childTnLst>
+                                </p:cTn>
+                              </p:par>
+                            </p:childTnLst>
+                          </p:cTn>
+                        </p:par>
+                      </p:childTnLst>
+                    </p:cTn>
+                  </p:par>
+                  <p:par>
+                    <p:cTn fill="hold">
+                      <p:stCondLst>
+                        <p:cond delay="indefinite"/>
+                      </p:stCondLst>
+                      <p:childTnLst>
+                        <p:par>
+                          <p:cTn fill="hold">
+                            <p:stCondLst>
+                              <p:cond delay="0"/>
+                            </p:stCondLst>
+                            <p:childTnLst>
+                              <p:par>
+                                <p:cTn fill="hold" nodeType="clickEffect" presetClass="entr" presetID="10" presetSubtype="0">
+                                  <p:stCondLst>
+                                    <p:cond delay="0"/>
+                                  </p:stCondLst>
+                                  <p:childTnLst>
+                                    <p:set>
+                                      <p:cBhvr>
+                                        <p:cTn dur="1" fill="hold">
+                                          <p:stCondLst>
+                                            <p:cond delay="0"/>
+                                          </p:stCondLst>
+                                        </p:cTn>
+                                        <p:tgtEl>
+                                          <p:spTgt spid="167"/>
+                                        </p:tgtEl>
+                                        <p:attrNameLst>
+                                          <p:attrName>style.visibility</p:attrName>
+                                        </p:attrNameLst>
+                                      </p:cBhvr>
+                                      <p:to>
+                                        <p:strVal val="visible"/>
+                                      </p:to>
+                                    </p:set>
+                                    <p:animEffect filter="fade" transition="in">
+                                      <p:cBhvr>
+                                        <p:cTn dur="1000"/>
+                                        <p:tgtEl>
+                                          <p:spTgt spid="167"/>
                                         </p:tgtEl>
                                       </p:cBhvr>
                                     </p:animEffect>
@@ -10206,7 +10485,7 @@
   <p:cSld>
     <p:spTree>
       <p:nvGrpSpPr>
-        <p:cNvPr id="168" name="Shape 168"/>
+        <p:cNvPr id="175" name="Shape 175"/>
         <p:cNvGrpSpPr/>
         <p:nvPr/>
       </p:nvGrpSpPr>
@@ -10220,7 +10499,7 @@
       </p:grpSpPr>
       <p:sp>
         <p:nvSpPr>
-          <p:cNvPr id="169" name="Google Shape;169;p24"/>
+          <p:cNvPr id="176" name="Google Shape;176;p24"/>
           <p:cNvSpPr txBox="1"/>
           <p:nvPr>
             <p:ph idx="1" type="body"/>
@@ -10268,7 +10547,7 @@
       </p:sp>
       <p:sp>
         <p:nvSpPr>
-          <p:cNvPr id="170" name="Google Shape;170;p24"/>
+          <p:cNvPr id="177" name="Google Shape;177;p24"/>
           <p:cNvSpPr txBox="1"/>
           <p:nvPr/>
         </p:nvSpPr>
@@ -10329,7 +10608,7 @@
       </p:sp>
       <p:sp>
         <p:nvSpPr>
-          <p:cNvPr id="171" name="Google Shape;171;p24"/>
+          <p:cNvPr id="178" name="Google Shape;178;p24"/>
           <p:cNvSpPr txBox="1"/>
           <p:nvPr/>
         </p:nvSpPr>
@@ -10379,7 +10658,7 @@
       </p:sp>
       <p:sp>
         <p:nvSpPr>
-          <p:cNvPr id="172" name="Google Shape;172;p24"/>
+          <p:cNvPr id="179" name="Google Shape;179;p24"/>
           <p:cNvSpPr txBox="1"/>
           <p:nvPr/>
         </p:nvSpPr>
@@ -10458,7 +10737,7 @@
                                           </p:stCondLst>
                                         </p:cTn>
                                         <p:tgtEl>
-                                          <p:spTgt spid="170"/>
+                                          <p:spTgt spid="177"/>
                                         </p:tgtEl>
                                         <p:attrNameLst>
                                           <p:attrName>style.visibility</p:attrName>
@@ -10472,7 +10751,7 @@
                                       <p:cBhvr>
                                         <p:cTn dur="1000"/>
                                         <p:tgtEl>
-                                          <p:spTgt spid="170"/>
+                                          <p:spTgt spid="177"/>
                                         </p:tgtEl>
                                       </p:cBhvr>
                                     </p:animEffect>
@@ -10511,7 +10790,7 @@
                                           </p:stCondLst>
                                         </p:cTn>
                                         <p:tgtEl>
-                                          <p:spTgt spid="171"/>
+                                          <p:spTgt spid="178"/>
                                         </p:tgtEl>
                                         <p:attrNameLst>
                                           <p:attrName>style.visibility</p:attrName>
@@ -10525,7 +10804,7 @@
                                       <p:cBhvr>
                                         <p:cTn dur="1000"/>
                                         <p:tgtEl>
-                                          <p:spTgt spid="171"/>
+                                          <p:spTgt spid="178"/>
                                         </p:tgtEl>
                                       </p:cBhvr>
                                     </p:animEffect>
@@ -10564,7 +10843,7 @@
                                           </p:stCondLst>
                                         </p:cTn>
                                         <p:tgtEl>
-                                          <p:spTgt spid="172"/>
+                                          <p:spTgt spid="179"/>
                                         </p:tgtEl>
                                         <p:attrNameLst>
                                           <p:attrName>style.visibility</p:attrName>
@@ -10578,7 +10857,7 @@
                                       <p:cBhvr>
                                         <p:cTn dur="1000"/>
                                         <p:tgtEl>
-                                          <p:spTgt spid="172"/>
+                                          <p:spTgt spid="179"/>
                                         </p:tgtEl>
                                       </p:cBhvr>
                                     </p:animEffect>
@@ -10621,7 +10900,7 @@
   <p:cSld>
     <p:spTree>
       <p:nvGrpSpPr>
-        <p:cNvPr id="176" name="Shape 176"/>
+        <p:cNvPr id="183" name="Shape 183"/>
         <p:cNvGrpSpPr/>
         <p:nvPr/>
       </p:nvGrpSpPr>
@@ -10635,7 +10914,7 @@
       </p:grpSpPr>
       <p:sp>
         <p:nvSpPr>
-          <p:cNvPr id="177" name="Google Shape;177;p25"/>
+          <p:cNvPr id="184" name="Google Shape;184;p25"/>
           <p:cNvSpPr txBox="1"/>
           <p:nvPr>
             <p:ph idx="1" type="body"/>
@@ -10691,7 +10970,7 @@
       </p:sp>
       <p:sp>
         <p:nvSpPr>
-          <p:cNvPr id="178" name="Google Shape;178;p25"/>
+          <p:cNvPr id="185" name="Google Shape;185;p25"/>
           <p:cNvSpPr txBox="1"/>
           <p:nvPr/>
         </p:nvSpPr>
@@ -10872,7 +11151,7 @@
       </p:sp>
       <p:sp>
         <p:nvSpPr>
-          <p:cNvPr id="179" name="Google Shape;179;p25"/>
+          <p:cNvPr id="186" name="Google Shape;186;p25"/>
           <p:cNvSpPr txBox="1"/>
           <p:nvPr/>
         </p:nvSpPr>
@@ -10955,7 +11234,7 @@
                                           </p:stCondLst>
                                         </p:cTn>
                                         <p:tgtEl>
-                                          <p:spTgt spid="178"/>
+                                          <p:spTgt spid="185"/>
                                         </p:tgtEl>
                                         <p:attrNameLst>
                                           <p:attrName>style.visibility</p:attrName>
@@ -10969,7 +11248,7 @@
                                       <p:cBhvr>
                                         <p:cTn dur="1000"/>
                                         <p:tgtEl>
-                                          <p:spTgt spid="178"/>
+                                          <p:spTgt spid="185"/>
                                         </p:tgtEl>
                                       </p:cBhvr>
                                     </p:animEffect>
@@ -11008,7 +11287,7 @@
                                           </p:stCondLst>
                                         </p:cTn>
                                         <p:tgtEl>
-                                          <p:spTgt spid="179"/>
+                                          <p:spTgt spid="186"/>
                                         </p:tgtEl>
                                         <p:attrNameLst>
                                           <p:attrName>style.visibility</p:attrName>
@@ -11022,7 +11301,7 @@
                                       <p:cBhvr>
                                         <p:cTn dur="1000"/>
                                         <p:tgtEl>
-                                          <p:spTgt spid="179"/>
+                                          <p:spTgt spid="186"/>
                                         </p:tgtEl>
                                       </p:cBhvr>
                                     </p:animEffect>
@@ -11065,7 +11344,7 @@
   <p:cSld>
     <p:spTree>
       <p:nvGrpSpPr>
-        <p:cNvPr id="183" name="Shape 183"/>
+        <p:cNvPr id="190" name="Shape 190"/>
         <p:cNvGrpSpPr/>
         <p:nvPr/>
       </p:nvGrpSpPr>
@@ -11079,7 +11358,7 @@
       </p:grpSpPr>
       <p:sp>
         <p:nvSpPr>
-          <p:cNvPr id="184" name="Google Shape;184;p26"/>
+          <p:cNvPr id="191" name="Google Shape;191;p26"/>
           <p:cNvSpPr txBox="1"/>
           <p:nvPr>
             <p:ph idx="1" type="body"/>
@@ -11127,7 +11406,7 @@
       </p:sp>
       <p:sp>
         <p:nvSpPr>
-          <p:cNvPr id="185" name="Google Shape;185;p26"/>
+          <p:cNvPr id="192" name="Google Shape;192;p26"/>
           <p:cNvSpPr txBox="1"/>
           <p:nvPr/>
         </p:nvSpPr>
@@ -11177,7 +11456,7 @@
       </p:sp>
       <p:sp>
         <p:nvSpPr>
-          <p:cNvPr id="186" name="Google Shape;186;p26"/>
+          <p:cNvPr id="193" name="Google Shape;193;p26"/>
           <p:cNvSpPr txBox="1"/>
           <p:nvPr/>
         </p:nvSpPr>
@@ -11234,7 +11513,7 @@
       </p:sp>
       <p:pic>
         <p:nvPicPr>
-          <p:cNvPr id="187" name="Google Shape;187;p26"/>
+          <p:cNvPr id="194" name="Google Shape;194;p26"/>
           <p:cNvPicPr preferRelativeResize="0"/>
           <p:nvPr/>
         </p:nvPicPr>
@@ -11299,7 +11578,7 @@
                                           </p:stCondLst>
                                         </p:cTn>
                                         <p:tgtEl>
-                                          <p:spTgt spid="185"/>
+                                          <p:spTgt spid="192"/>
                                         </p:tgtEl>
                                         <p:attrNameLst>
                                           <p:attrName>style.visibility</p:attrName>
@@ -11313,7 +11592,7 @@
                                       <p:cBhvr>
                                         <p:cTn dur="1000"/>
                                         <p:tgtEl>
-                                          <p:spTgt spid="185"/>
+                                          <p:spTgt spid="192"/>
                                         </p:tgtEl>
                                       </p:cBhvr>
                                     </p:animEffect>
@@ -11352,7 +11631,7 @@
                                           </p:stCondLst>
                                         </p:cTn>
                                         <p:tgtEl>
-                                          <p:spTgt spid="186"/>
+                                          <p:spTgt spid="193"/>
                                         </p:tgtEl>
                                         <p:attrNameLst>
                                           <p:attrName>style.visibility</p:attrName>
@@ -11366,7 +11645,7 @@
                                       <p:cBhvr>
                                         <p:cTn dur="1000"/>
                                         <p:tgtEl>
-                                          <p:spTgt spid="186"/>
+                                          <p:spTgt spid="193"/>
                                         </p:tgtEl>
                                       </p:cBhvr>
                                     </p:animEffect>
@@ -11405,7 +11684,7 @@
                                           </p:stCondLst>
                                         </p:cTn>
                                         <p:tgtEl>
-                                          <p:spTgt spid="187"/>
+                                          <p:spTgt spid="194"/>
                                         </p:tgtEl>
                                         <p:attrNameLst>
                                           <p:attrName>style.visibility</p:attrName>
@@ -11419,7 +11698,7 @@
                                       <p:cBhvr>
                                         <p:cTn dur="1000"/>
                                         <p:tgtEl>
-                                          <p:spTgt spid="187"/>
+                                          <p:spTgt spid="194"/>
                                         </p:tgtEl>
                                       </p:cBhvr>
                                     </p:animEffect>
@@ -11462,7 +11741,7 @@
   <p:cSld>
     <p:spTree>
       <p:nvGrpSpPr>
-        <p:cNvPr id="191" name="Shape 191"/>
+        <p:cNvPr id="198" name="Shape 198"/>
         <p:cNvGrpSpPr/>
         <p:nvPr/>
       </p:nvGrpSpPr>
@@ -11476,7 +11755,7 @@
       </p:grpSpPr>
       <p:sp>
         <p:nvSpPr>
-          <p:cNvPr id="192" name="Google Shape;192;p27"/>
+          <p:cNvPr id="199" name="Google Shape;199;p27"/>
           <p:cNvSpPr/>
           <p:nvPr/>
         </p:nvSpPr>
@@ -11526,7 +11805,7 @@
       </p:sp>
       <p:sp>
         <p:nvSpPr>
-          <p:cNvPr id="193" name="Google Shape;193;p27"/>
+          <p:cNvPr id="200" name="Google Shape;200;p27"/>
           <p:cNvSpPr/>
           <p:nvPr/>
         </p:nvSpPr>
@@ -11576,7 +11855,7 @@
       </p:sp>
       <p:sp>
         <p:nvSpPr>
-          <p:cNvPr id="194" name="Google Shape;194;p27"/>
+          <p:cNvPr id="201" name="Google Shape;201;p27"/>
           <p:cNvSpPr txBox="1"/>
           <p:nvPr/>
         </p:nvSpPr>
@@ -11659,7 +11938,7 @@
       </p:sp>
       <p:sp>
         <p:nvSpPr>
-          <p:cNvPr id="195" name="Google Shape;195;p27"/>
+          <p:cNvPr id="202" name="Google Shape;202;p27"/>
           <p:cNvSpPr/>
           <p:nvPr/>
         </p:nvSpPr>
@@ -11709,7 +11988,7 @@
       </p:sp>
       <p:sp>
         <p:nvSpPr>
-          <p:cNvPr id="196" name="Google Shape;196;p27"/>
+          <p:cNvPr id="203" name="Google Shape;203;p27"/>
           <p:cNvSpPr txBox="1"/>
           <p:nvPr/>
         </p:nvSpPr>
@@ -11757,9 +12036,9 @@
       </p:sp>
       <p:cxnSp>
         <p:nvCxnSpPr>
-          <p:cNvPr id="197" name="Google Shape;197;p27"/>
+          <p:cNvPr id="204" name="Google Shape;204;p27"/>
           <p:cNvCxnSpPr>
-            <a:stCxn id="192" idx="0"/>
+            <a:stCxn id="199" idx="0"/>
           </p:cNvCxnSpPr>
           <p:nvPr/>
         </p:nvCxnSpPr>
@@ -11785,7 +12064,7 @@
       </p:cxnSp>
       <p:cxnSp>
         <p:nvCxnSpPr>
-          <p:cNvPr id="198" name="Google Shape;198;p27"/>
+          <p:cNvPr id="205" name="Google Shape;205;p27"/>
           <p:cNvCxnSpPr/>
           <p:nvPr/>
         </p:nvCxnSpPr>
@@ -11811,7 +12090,7 @@
       </p:cxnSp>
       <p:sp>
         <p:nvSpPr>
-          <p:cNvPr id="199" name="Google Shape;199;p27"/>
+          <p:cNvPr id="206" name="Google Shape;206;p27"/>
           <p:cNvSpPr txBox="1"/>
           <p:nvPr/>
         </p:nvSpPr>
@@ -11863,9 +12142,9 @@
       </p:sp>
       <p:cxnSp>
         <p:nvCxnSpPr>
-          <p:cNvPr id="200" name="Google Shape;200;p27"/>
+          <p:cNvPr id="207" name="Google Shape;207;p27"/>
           <p:cNvCxnSpPr>
-            <a:endCxn id="199" idx="2"/>
+            <a:endCxn id="206" idx="2"/>
           </p:cNvCxnSpPr>
           <p:nvPr/>
         </p:nvCxnSpPr>
@@ -11891,7 +12170,7 @@
       </p:cxnSp>
       <p:cxnSp>
         <p:nvCxnSpPr>
-          <p:cNvPr id="201" name="Google Shape;201;p27"/>
+          <p:cNvPr id="208" name="Google Shape;208;p27"/>
           <p:cNvCxnSpPr/>
           <p:nvPr/>
         </p:nvCxnSpPr>
@@ -11917,7 +12196,7 @@
       </p:cxnSp>
       <p:sp>
         <p:nvSpPr>
-          <p:cNvPr id="202" name="Google Shape;202;p27"/>
+          <p:cNvPr id="209" name="Google Shape;209;p27"/>
           <p:cNvSpPr txBox="1"/>
           <p:nvPr/>
         </p:nvSpPr>
@@ -11969,9 +12248,9 @@
       </p:sp>
       <p:cxnSp>
         <p:nvCxnSpPr>
-          <p:cNvPr id="203" name="Google Shape;203;p27"/>
+          <p:cNvPr id="210" name="Google Shape;210;p27"/>
           <p:cNvCxnSpPr>
-            <a:endCxn id="202" idx="2"/>
+            <a:endCxn id="209" idx="2"/>
           </p:cNvCxnSpPr>
           <p:nvPr/>
         </p:nvCxnSpPr>
@@ -11997,7 +12276,7 @@
       </p:cxnSp>
       <p:cxnSp>
         <p:nvCxnSpPr>
-          <p:cNvPr id="204" name="Google Shape;204;p27"/>
+          <p:cNvPr id="211" name="Google Shape;211;p27"/>
           <p:cNvCxnSpPr/>
           <p:nvPr/>
         </p:nvCxnSpPr>
@@ -12023,7 +12302,7 @@
       </p:cxnSp>
       <p:sp>
         <p:nvSpPr>
-          <p:cNvPr id="205" name="Google Shape;205;p27"/>
+          <p:cNvPr id="212" name="Google Shape;212;p27"/>
           <p:cNvSpPr txBox="1"/>
           <p:nvPr/>
         </p:nvSpPr>
@@ -12071,7 +12350,7 @@
       </p:sp>
       <p:cxnSp>
         <p:nvCxnSpPr>
-          <p:cNvPr id="206" name="Google Shape;206;p27"/>
+          <p:cNvPr id="213" name="Google Shape;213;p27"/>
           <p:cNvCxnSpPr/>
           <p:nvPr/>
         </p:nvCxnSpPr>
@@ -12097,7 +12376,7 @@
       </p:cxnSp>
       <p:cxnSp>
         <p:nvCxnSpPr>
-          <p:cNvPr id="207" name="Google Shape;207;p27"/>
+          <p:cNvPr id="214" name="Google Shape;214;p27"/>
           <p:cNvCxnSpPr/>
           <p:nvPr/>
         </p:nvCxnSpPr>
@@ -12123,7 +12402,7 @@
       </p:cxnSp>
       <p:cxnSp>
         <p:nvCxnSpPr>
-          <p:cNvPr id="208" name="Google Shape;208;p27"/>
+          <p:cNvPr id="215" name="Google Shape;215;p27"/>
           <p:cNvCxnSpPr/>
           <p:nvPr/>
         </p:nvCxnSpPr>
@@ -12149,7 +12428,7 @@
       </p:cxnSp>
       <p:sp>
         <p:nvSpPr>
-          <p:cNvPr id="209" name="Google Shape;209;p27"/>
+          <p:cNvPr id="216" name="Google Shape;216;p27"/>
           <p:cNvSpPr txBox="1"/>
           <p:nvPr>
             <p:ph idx="1" type="body"/>
@@ -12197,7 +12476,7 @@
       </p:sp>
       <p:sp>
         <p:nvSpPr>
-          <p:cNvPr id="210" name="Google Shape;210;p27"/>
+          <p:cNvPr id="217" name="Google Shape;217;p27"/>
           <p:cNvSpPr txBox="1"/>
           <p:nvPr/>
         </p:nvSpPr>
@@ -12245,7 +12524,7 @@
       </p:sp>
       <p:sp>
         <p:nvSpPr>
-          <p:cNvPr id="211" name="Google Shape;211;p27"/>
+          <p:cNvPr id="218" name="Google Shape;218;p27"/>
           <p:cNvSpPr txBox="1"/>
           <p:nvPr/>
         </p:nvSpPr>
@@ -12297,7 +12576,7 @@
       </p:sp>
       <p:sp>
         <p:nvSpPr>
-          <p:cNvPr id="212" name="Google Shape;212;p27"/>
+          <p:cNvPr id="219" name="Google Shape;219;p27"/>
           <p:cNvSpPr txBox="1"/>
           <p:nvPr/>
         </p:nvSpPr>
@@ -12349,7 +12628,7 @@
       </p:sp>
       <p:cxnSp>
         <p:nvCxnSpPr>
-          <p:cNvPr id="213" name="Google Shape;213;p27"/>
+          <p:cNvPr id="220" name="Google Shape;220;p27"/>
           <p:cNvCxnSpPr/>
           <p:nvPr/>
         </p:nvCxnSpPr>
@@ -12375,7 +12654,7 @@
       </p:cxnSp>
       <p:cxnSp>
         <p:nvCxnSpPr>
-          <p:cNvPr id="214" name="Google Shape;214;p27"/>
+          <p:cNvPr id="221" name="Google Shape;221;p27"/>
           <p:cNvCxnSpPr/>
           <p:nvPr/>
         </p:nvCxnSpPr>
@@ -12401,7 +12680,7 @@
       </p:cxnSp>
       <p:cxnSp>
         <p:nvCxnSpPr>
-          <p:cNvPr id="215" name="Google Shape;215;p27"/>
+          <p:cNvPr id="222" name="Google Shape;222;p27"/>
           <p:cNvCxnSpPr/>
           <p:nvPr/>
         </p:nvCxnSpPr>
@@ -12427,7 +12706,7 @@
       </p:cxnSp>
       <p:sp>
         <p:nvSpPr>
-          <p:cNvPr id="216" name="Google Shape;216;p27"/>
+          <p:cNvPr id="223" name="Google Shape;223;p27"/>
           <p:cNvSpPr txBox="1"/>
           <p:nvPr/>
         </p:nvSpPr>
@@ -12475,13 +12754,13 @@
       </p:sp>
       <p:sp>
         <p:nvSpPr>
-          <p:cNvPr id="217" name="Google Shape;217;p27"/>
+          <p:cNvPr id="224" name="Google Shape;224;p27"/>
           <p:cNvSpPr txBox="1"/>
           <p:nvPr/>
         </p:nvSpPr>
         <p:spPr>
           <a:xfrm>
-            <a:off x="4900550" y="1426025"/>
+            <a:off x="4900550" y="1453313"/>
             <a:ext cx="894000" cy="442200"/>
           </a:xfrm>
           <a:prstGeom prst="rect">
@@ -12523,7 +12802,7 @@
       </p:sp>
       <p:cxnSp>
         <p:nvCxnSpPr>
-          <p:cNvPr id="218" name="Google Shape;218;p27"/>
+          <p:cNvPr id="225" name="Google Shape;225;p27"/>
           <p:cNvCxnSpPr/>
           <p:nvPr/>
         </p:nvCxnSpPr>
@@ -12549,7 +12828,7 @@
       </p:cxnSp>
       <p:sp>
         <p:nvSpPr>
-          <p:cNvPr id="219" name="Google Shape;219;p27"/>
+          <p:cNvPr id="226" name="Google Shape;226;p27"/>
           <p:cNvSpPr txBox="1"/>
           <p:nvPr/>
         </p:nvSpPr>
@@ -12628,7 +12907,7 @@
                                           </p:stCondLst>
                                         </p:cTn>
                                         <p:tgtEl>
-                                          <p:spTgt spid="219"/>
+                                          <p:spTgt spid="226"/>
                                         </p:tgtEl>
                                         <p:attrNameLst>
                                           <p:attrName>style.visibility</p:attrName>
@@ -12642,7 +12921,7 @@
                                       <p:cBhvr>
                                         <p:cTn dur="1000"/>
                                         <p:tgtEl>
-                                          <p:spTgt spid="219"/>
+                                          <p:spTgt spid="226"/>
                                         </p:tgtEl>
                                       </p:cBhvr>
                                     </p:animEffect>
@@ -12681,7 +12960,7 @@
                                           </p:stCondLst>
                                         </p:cTn>
                                         <p:tgtEl>
-                                          <p:spTgt spid="192"/>
+                                          <p:spTgt spid="199"/>
                                         </p:tgtEl>
                                         <p:attrNameLst>
                                           <p:attrName>style.visibility</p:attrName>
@@ -12695,7 +12974,7 @@
                                       <p:cBhvr>
                                         <p:cTn dur="1000"/>
                                         <p:tgtEl>
-                                          <p:spTgt spid="192"/>
+                                          <p:spTgt spid="199"/>
                                         </p:tgtEl>
                                       </p:cBhvr>
                                     </p:animEffect>
@@ -12716,7 +12995,7 @@
                                           </p:stCondLst>
                                         </p:cTn>
                                         <p:tgtEl>
-                                          <p:spTgt spid="193"/>
+                                          <p:spTgt spid="200"/>
                                         </p:tgtEl>
                                         <p:attrNameLst>
                                           <p:attrName>style.visibility</p:attrName>
@@ -12730,7 +13009,7 @@
                                       <p:cBhvr>
                                         <p:cTn dur="1000"/>
                                         <p:tgtEl>
-                                          <p:spTgt spid="193"/>
+                                          <p:spTgt spid="200"/>
                                         </p:tgtEl>
                                       </p:cBhvr>
                                     </p:animEffect>
@@ -12751,7 +13030,7 @@
                                           </p:stCondLst>
                                         </p:cTn>
                                         <p:tgtEl>
-                                          <p:spTgt spid="195"/>
+                                          <p:spTgt spid="202"/>
                                         </p:tgtEl>
                                         <p:attrNameLst>
                                           <p:attrName>style.visibility</p:attrName>
@@ -12765,7 +13044,7 @@
                                       <p:cBhvr>
                                         <p:cTn dur="1000"/>
                                         <p:tgtEl>
-                                          <p:spTgt spid="195"/>
+                                          <p:spTgt spid="202"/>
                                         </p:tgtEl>
                                       </p:cBhvr>
                                     </p:animEffect>
@@ -12786,7 +13065,7 @@
                                           </p:stCondLst>
                                         </p:cTn>
                                         <p:tgtEl>
-                                          <p:spTgt spid="194"/>
+                                          <p:spTgt spid="201"/>
                                         </p:tgtEl>
                                         <p:attrNameLst>
                                           <p:attrName>style.visibility</p:attrName>
@@ -12800,7 +13079,7 @@
                                       <p:cBhvr>
                                         <p:cTn dur="1000"/>
                                         <p:tgtEl>
-                                          <p:spTgt spid="194"/>
+                                          <p:spTgt spid="201"/>
                                         </p:tgtEl>
                                       </p:cBhvr>
                                     </p:animEffect>
@@ -12839,7 +13118,7 @@
                                           </p:stCondLst>
                                         </p:cTn>
                                         <p:tgtEl>
-                                          <p:spTgt spid="197"/>
+                                          <p:spTgt spid="204"/>
                                         </p:tgtEl>
                                         <p:attrNameLst>
                                           <p:attrName>style.visibility</p:attrName>
@@ -12853,7 +13132,7 @@
                                       <p:cBhvr>
                                         <p:cTn dur="1000"/>
                                         <p:tgtEl>
-                                          <p:spTgt spid="197"/>
+                                          <p:spTgt spid="204"/>
                                         </p:tgtEl>
                                       </p:cBhvr>
                                     </p:animEffect>
@@ -12874,7 +13153,7 @@
                                           </p:stCondLst>
                                         </p:cTn>
                                         <p:tgtEl>
-                                          <p:spTgt spid="199"/>
+                                          <p:spTgt spid="206"/>
                                         </p:tgtEl>
                                         <p:attrNameLst>
                                           <p:attrName>style.visibility</p:attrName>
@@ -12888,7 +13167,7 @@
                                       <p:cBhvr>
                                         <p:cTn dur="1000"/>
                                         <p:tgtEl>
-                                          <p:spTgt spid="199"/>
+                                          <p:spTgt spid="206"/>
                                         </p:tgtEl>
                                       </p:cBhvr>
                                     </p:animEffect>
@@ -12909,7 +13188,7 @@
                                           </p:stCondLst>
                                         </p:cTn>
                                         <p:tgtEl>
-                                          <p:spTgt spid="200"/>
+                                          <p:spTgt spid="207"/>
                                         </p:tgtEl>
                                         <p:attrNameLst>
                                           <p:attrName>style.visibility</p:attrName>
@@ -12923,7 +13202,7 @@
                                       <p:cBhvr>
                                         <p:cTn dur="1000"/>
                                         <p:tgtEl>
-                                          <p:spTgt spid="200"/>
+                                          <p:spTgt spid="207"/>
                                         </p:tgtEl>
                                       </p:cBhvr>
                                     </p:animEffect>
@@ -12944,7 +13223,7 @@
                                           </p:stCondLst>
                                         </p:cTn>
                                         <p:tgtEl>
-                                          <p:spTgt spid="202"/>
+                                          <p:spTgt spid="209"/>
                                         </p:tgtEl>
                                         <p:attrNameLst>
                                           <p:attrName>style.visibility</p:attrName>
@@ -12958,7 +13237,7 @@
                                       <p:cBhvr>
                                         <p:cTn dur="1000"/>
                                         <p:tgtEl>
-                                          <p:spTgt spid="202"/>
+                                          <p:spTgt spid="209"/>
                                         </p:tgtEl>
                                       </p:cBhvr>
                                     </p:animEffect>
@@ -12979,7 +13258,7 @@
                                           </p:stCondLst>
                                         </p:cTn>
                                         <p:tgtEl>
-                                          <p:spTgt spid="203"/>
+                                          <p:spTgt spid="210"/>
                                         </p:tgtEl>
                                         <p:attrNameLst>
                                           <p:attrName>style.visibility</p:attrName>
@@ -12993,7 +13272,7 @@
                                       <p:cBhvr>
                                         <p:cTn dur="1000"/>
                                         <p:tgtEl>
-                                          <p:spTgt spid="203"/>
+                                          <p:spTgt spid="210"/>
                                         </p:tgtEl>
                                       </p:cBhvr>
                                     </p:animEffect>
@@ -13014,7 +13293,7 @@
                                           </p:stCondLst>
                                         </p:cTn>
                                         <p:tgtEl>
-                                          <p:spTgt spid="196"/>
+                                          <p:spTgt spid="203"/>
                                         </p:tgtEl>
                                         <p:attrNameLst>
                                           <p:attrName>style.visibility</p:attrName>
@@ -13028,7 +13307,7 @@
                                       <p:cBhvr>
                                         <p:cTn dur="1000"/>
                                         <p:tgtEl>
-                                          <p:spTgt spid="196"/>
+                                          <p:spTgt spid="203"/>
                                         </p:tgtEl>
                                       </p:cBhvr>
                                     </p:animEffect>
@@ -13067,7 +13346,7 @@
                                           </p:stCondLst>
                                         </p:cTn>
                                         <p:tgtEl>
-                                          <p:spTgt spid="198"/>
+                                          <p:spTgt spid="205"/>
                                         </p:tgtEl>
                                         <p:attrNameLst>
                                           <p:attrName>style.visibility</p:attrName>
@@ -13081,7 +13360,7 @@
                                       <p:cBhvr>
                                         <p:cTn dur="1000"/>
                                         <p:tgtEl>
-                                          <p:spTgt spid="198"/>
+                                          <p:spTgt spid="205"/>
                                         </p:tgtEl>
                                       </p:cBhvr>
                                     </p:animEffect>
@@ -13102,7 +13381,7 @@
                                           </p:stCondLst>
                                         </p:cTn>
                                         <p:tgtEl>
-                                          <p:spTgt spid="201"/>
+                                          <p:spTgt spid="208"/>
                                         </p:tgtEl>
                                         <p:attrNameLst>
                                           <p:attrName>style.visibility</p:attrName>
@@ -13116,7 +13395,7 @@
                                       <p:cBhvr>
                                         <p:cTn dur="1000"/>
                                         <p:tgtEl>
-                                          <p:spTgt spid="201"/>
+                                          <p:spTgt spid="208"/>
                                         </p:tgtEl>
                                       </p:cBhvr>
                                     </p:animEffect>
@@ -13137,7 +13416,7 @@
                                           </p:stCondLst>
                                         </p:cTn>
                                         <p:tgtEl>
-                                          <p:spTgt spid="204"/>
+                                          <p:spTgt spid="211"/>
                                         </p:tgtEl>
                                         <p:attrNameLst>
                                           <p:attrName>style.visibility</p:attrName>
@@ -13151,7 +13430,7 @@
                                       <p:cBhvr>
                                         <p:cTn dur="1000"/>
                                         <p:tgtEl>
-                                          <p:spTgt spid="204"/>
+                                          <p:spTgt spid="211"/>
                                         </p:tgtEl>
                                       </p:cBhvr>
                                     </p:animEffect>
@@ -13172,7 +13451,7 @@
                                           </p:stCondLst>
                                         </p:cTn>
                                         <p:tgtEl>
-                                          <p:spTgt spid="205"/>
+                                          <p:spTgt spid="212"/>
                                         </p:tgtEl>
                                         <p:attrNameLst>
                                           <p:attrName>style.visibility</p:attrName>
@@ -13186,7 +13465,7 @@
                                       <p:cBhvr>
                                         <p:cTn dur="1000"/>
                                         <p:tgtEl>
-                                          <p:spTgt spid="205"/>
+                                          <p:spTgt spid="212"/>
                                         </p:tgtEl>
                                       </p:cBhvr>
                                     </p:animEffect>
@@ -13207,7 +13486,7 @@
                                           </p:stCondLst>
                                         </p:cTn>
                                         <p:tgtEl>
-                                          <p:spTgt spid="206"/>
+                                          <p:spTgt spid="213"/>
                                         </p:tgtEl>
                                         <p:attrNameLst>
                                           <p:attrName>style.visibility</p:attrName>
@@ -13221,7 +13500,7 @@
                                       <p:cBhvr>
                                         <p:cTn dur="1000"/>
                                         <p:tgtEl>
-                                          <p:spTgt spid="206"/>
+                                          <p:spTgt spid="213"/>
                                         </p:tgtEl>
                                       </p:cBhvr>
                                     </p:animEffect>
@@ -13242,7 +13521,7 @@
                                           </p:stCondLst>
                                         </p:cTn>
                                         <p:tgtEl>
-                                          <p:spTgt spid="207"/>
+                                          <p:spTgt spid="214"/>
                                         </p:tgtEl>
                                         <p:attrNameLst>
                                           <p:attrName>style.visibility</p:attrName>
@@ -13256,7 +13535,7 @@
                                       <p:cBhvr>
                                         <p:cTn dur="1000"/>
                                         <p:tgtEl>
-                                          <p:spTgt spid="207"/>
+                                          <p:spTgt spid="214"/>
                                         </p:tgtEl>
                                       </p:cBhvr>
                                     </p:animEffect>
@@ -13277,7 +13556,7 @@
                                           </p:stCondLst>
                                         </p:cTn>
                                         <p:tgtEl>
-                                          <p:spTgt spid="210"/>
+                                          <p:spTgt spid="217"/>
                                         </p:tgtEl>
                                         <p:attrNameLst>
                                           <p:attrName>style.visibility</p:attrName>
@@ -13291,7 +13570,7 @@
                                       <p:cBhvr>
                                         <p:cTn dur="1000"/>
                                         <p:tgtEl>
-                                          <p:spTgt spid="210"/>
+                                          <p:spTgt spid="217"/>
                                         </p:tgtEl>
                                       </p:cBhvr>
                                     </p:animEffect>
@@ -13312,7 +13591,7 @@
                                           </p:stCondLst>
                                         </p:cTn>
                                         <p:tgtEl>
-                                          <p:spTgt spid="211"/>
+                                          <p:spTgt spid="218"/>
                                         </p:tgtEl>
                                         <p:attrNameLst>
                                           <p:attrName>style.visibility</p:attrName>
@@ -13326,7 +13605,7 @@
                                       <p:cBhvr>
                                         <p:cTn dur="1000"/>
                                         <p:tgtEl>
-                                          <p:spTgt spid="211"/>
+                                          <p:spTgt spid="218"/>
                                         </p:tgtEl>
                                       </p:cBhvr>
                                     </p:animEffect>
@@ -13347,7 +13626,7 @@
                                           </p:stCondLst>
                                         </p:cTn>
                                         <p:tgtEl>
-                                          <p:spTgt spid="212"/>
+                                          <p:spTgt spid="219"/>
                                         </p:tgtEl>
                                         <p:attrNameLst>
                                           <p:attrName>style.visibility</p:attrName>
@@ -13361,7 +13640,7 @@
                                       <p:cBhvr>
                                         <p:cTn dur="1000"/>
                                         <p:tgtEl>
-                                          <p:spTgt spid="212"/>
+                                          <p:spTgt spid="219"/>
                                         </p:tgtEl>
                                       </p:cBhvr>
                                     </p:animEffect>
@@ -13382,7 +13661,7 @@
                                           </p:stCondLst>
                                         </p:cTn>
                                         <p:tgtEl>
-                                          <p:spTgt spid="213"/>
+                                          <p:spTgt spid="220"/>
                                         </p:tgtEl>
                                         <p:attrNameLst>
                                           <p:attrName>style.visibility</p:attrName>
@@ -13396,7 +13675,7 @@
                                       <p:cBhvr>
                                         <p:cTn dur="1000"/>
                                         <p:tgtEl>
-                                          <p:spTgt spid="213"/>
+                                          <p:spTgt spid="220"/>
                                         </p:tgtEl>
                                       </p:cBhvr>
                                     </p:animEffect>
@@ -13417,7 +13696,7 @@
                                           </p:stCondLst>
                                         </p:cTn>
                                         <p:tgtEl>
-                                          <p:spTgt spid="214"/>
+                                          <p:spTgt spid="221"/>
                                         </p:tgtEl>
                                         <p:attrNameLst>
                                           <p:attrName>style.visibility</p:attrName>
@@ -13431,7 +13710,7 @@
                                       <p:cBhvr>
                                         <p:cTn dur="1000"/>
                                         <p:tgtEl>
-                                          <p:spTgt spid="214"/>
+                                          <p:spTgt spid="221"/>
                                         </p:tgtEl>
                                       </p:cBhvr>
                                     </p:animEffect>
@@ -13452,7 +13731,7 @@
                                           </p:stCondLst>
                                         </p:cTn>
                                         <p:tgtEl>
-                                          <p:spTgt spid="215"/>
+                                          <p:spTgt spid="222"/>
                                         </p:tgtEl>
                                         <p:attrNameLst>
                                           <p:attrName>style.visibility</p:attrName>
@@ -13466,7 +13745,7 @@
                                       <p:cBhvr>
                                         <p:cTn dur="1000"/>
                                         <p:tgtEl>
-                                          <p:spTgt spid="215"/>
+                                          <p:spTgt spid="222"/>
                                         </p:tgtEl>
                                       </p:cBhvr>
                                     </p:animEffect>
@@ -13487,7 +13766,7 @@
                                           </p:stCondLst>
                                         </p:cTn>
                                         <p:tgtEl>
-                                          <p:spTgt spid="216"/>
+                                          <p:spTgt spid="223"/>
                                         </p:tgtEl>
                                         <p:attrNameLst>
                                           <p:attrName>style.visibility</p:attrName>
@@ -13501,7 +13780,7 @@
                                       <p:cBhvr>
                                         <p:cTn dur="1000"/>
                                         <p:tgtEl>
-                                          <p:spTgt spid="216"/>
+                                          <p:spTgt spid="223"/>
                                         </p:tgtEl>
                                       </p:cBhvr>
                                     </p:animEffect>
@@ -13522,7 +13801,7 @@
                                           </p:stCondLst>
                                         </p:cTn>
                                         <p:tgtEl>
-                                          <p:spTgt spid="217"/>
+                                          <p:spTgt spid="224"/>
                                         </p:tgtEl>
                                         <p:attrNameLst>
                                           <p:attrName>style.visibility</p:attrName>
@@ -13536,7 +13815,7 @@
                                       <p:cBhvr>
                                         <p:cTn dur="1000"/>
                                         <p:tgtEl>
-                                          <p:spTgt spid="217"/>
+                                          <p:spTgt spid="224"/>
                                         </p:tgtEl>
                                       </p:cBhvr>
                                     </p:animEffect>
@@ -13557,7 +13836,7 @@
                                           </p:stCondLst>
                                         </p:cTn>
                                         <p:tgtEl>
-                                          <p:spTgt spid="218"/>
+                                          <p:spTgt spid="225"/>
                                         </p:tgtEl>
                                         <p:attrNameLst>
                                           <p:attrName>style.visibility</p:attrName>
@@ -13571,7 +13850,7 @@
                                       <p:cBhvr>
                                         <p:cTn dur="1000"/>
                                         <p:tgtEl>
-                                          <p:spTgt spid="218"/>
+                                          <p:spTgt spid="225"/>
                                         </p:tgtEl>
                                       </p:cBhvr>
                                     </p:animEffect>
@@ -13592,7 +13871,7 @@
                                           </p:stCondLst>
                                         </p:cTn>
                                         <p:tgtEl>
-                                          <p:spTgt spid="208"/>
+                                          <p:spTgt spid="215"/>
                                         </p:tgtEl>
                                         <p:attrNameLst>
                                           <p:attrName>style.visibility</p:attrName>
@@ -13606,7 +13885,7 @@
                                       <p:cBhvr>
                                         <p:cTn dur="1000"/>
                                         <p:tgtEl>
-                                          <p:spTgt spid="208"/>
+                                          <p:spTgt spid="215"/>
                                         </p:tgtEl>
                                       </p:cBhvr>
                                     </p:animEffect>
@@ -13649,7 +13928,7 @@
   <p:cSld>
     <p:spTree>
       <p:nvGrpSpPr>
-        <p:cNvPr id="223" name="Shape 223"/>
+        <p:cNvPr id="230" name="Shape 230"/>
         <p:cNvGrpSpPr/>
         <p:nvPr/>
       </p:nvGrpSpPr>
@@ -13663,7 +13942,7 @@
       </p:grpSpPr>
       <p:pic>
         <p:nvPicPr>
-          <p:cNvPr id="224" name="Google Shape;224;p28"/>
+          <p:cNvPr id="231" name="Google Shape;231;p28"/>
           <p:cNvPicPr preferRelativeResize="0"/>
           <p:nvPr/>
         </p:nvPicPr>
@@ -13691,7 +13970,7 @@
       </p:pic>
       <p:sp>
         <p:nvSpPr>
-          <p:cNvPr id="225" name="Google Shape;225;p28"/>
+          <p:cNvPr id="232" name="Google Shape;232;p28"/>
           <p:cNvSpPr txBox="1"/>
           <p:nvPr>
             <p:ph idx="1" type="body"/>
@@ -13739,7 +14018,7 @@
       </p:sp>
       <p:sp>
         <p:nvSpPr>
-          <p:cNvPr id="226" name="Google Shape;226;p28"/>
+          <p:cNvPr id="233" name="Google Shape;233;p28"/>
           <p:cNvSpPr txBox="1"/>
           <p:nvPr/>
         </p:nvSpPr>
@@ -14020,7 +14299,7 @@
                                           </p:stCondLst>
                                         </p:cTn>
                                         <p:tgtEl>
-                                          <p:spTgt spid="226"/>
+                                          <p:spTgt spid="233"/>
                                         </p:tgtEl>
                                         <p:attrNameLst>
                                           <p:attrName>style.visibility</p:attrName>
@@ -14034,7 +14313,7 @@
                                       <p:cBhvr>
                                         <p:cTn dur="1000"/>
                                         <p:tgtEl>
-                                          <p:spTgt spid="226"/>
+                                          <p:spTgt spid="233"/>
                                         </p:tgtEl>
                                       </p:cBhvr>
                                     </p:animEffect>
@@ -14077,7 +14356,7 @@
   <p:cSld>
     <p:spTree>
       <p:nvGrpSpPr>
-        <p:cNvPr id="230" name="Shape 230"/>
+        <p:cNvPr id="237" name="Shape 237"/>
         <p:cNvGrpSpPr/>
         <p:nvPr/>
       </p:nvGrpSpPr>
@@ -14091,7 +14370,7 @@
       </p:grpSpPr>
       <p:sp>
         <p:nvSpPr>
-          <p:cNvPr id="231" name="Google Shape;231;p29"/>
+          <p:cNvPr id="238" name="Google Shape;238;p29"/>
           <p:cNvSpPr txBox="1"/>
           <p:nvPr>
             <p:ph idx="1" type="body"/>
@@ -14139,7 +14418,7 @@
       </p:sp>
       <p:pic>
         <p:nvPicPr>
-          <p:cNvPr id="232" name="Google Shape;232;p29"/>
+          <p:cNvPr id="239" name="Google Shape;239;p29"/>
           <p:cNvPicPr preferRelativeResize="0"/>
           <p:nvPr/>
         </p:nvPicPr>
@@ -14167,7 +14446,7 @@
       </p:pic>
       <p:sp>
         <p:nvSpPr>
-          <p:cNvPr id="233" name="Google Shape;233;p29"/>
+          <p:cNvPr id="240" name="Google Shape;240;p29"/>
           <p:cNvSpPr txBox="1"/>
           <p:nvPr/>
         </p:nvSpPr>
@@ -14449,7 +14728,7 @@
                                           </p:stCondLst>
                                         </p:cTn>
                                         <p:tgtEl>
-                                          <p:spTgt spid="233"/>
+                                          <p:spTgt spid="240"/>
                                         </p:tgtEl>
                                         <p:attrNameLst>
                                           <p:attrName>style.visibility</p:attrName>
@@ -14463,7 +14742,7 @@
                                       <p:cBhvr>
                                         <p:cTn dur="1000"/>
                                         <p:tgtEl>
-                                          <p:spTgt spid="233"/>
+                                          <p:spTgt spid="240"/>
                                         </p:tgtEl>
                                       </p:cBhvr>
                                     </p:animEffect>
@@ -14506,7 +14785,7 @@
   <p:cSld>
     <p:spTree>
       <p:nvGrpSpPr>
-        <p:cNvPr id="237" name="Shape 237"/>
+        <p:cNvPr id="244" name="Shape 244"/>
         <p:cNvGrpSpPr/>
         <p:nvPr/>
       </p:nvGrpSpPr>
@@ -14520,7 +14799,7 @@
       </p:grpSpPr>
       <p:sp>
         <p:nvSpPr>
-          <p:cNvPr id="238" name="Google Shape;238;p30"/>
+          <p:cNvPr id="245" name="Google Shape;245;p30"/>
           <p:cNvSpPr txBox="1"/>
           <p:nvPr/>
         </p:nvSpPr>
@@ -14573,7 +14852,7 @@
   <p:cSld>
     <p:spTree>
       <p:nvGrpSpPr>
-        <p:cNvPr id="242" name="Shape 242"/>
+        <p:cNvPr id="249" name="Shape 249"/>
         <p:cNvGrpSpPr/>
         <p:nvPr/>
       </p:nvGrpSpPr>
@@ -14587,7 +14866,7 @@
       </p:grpSpPr>
       <p:pic>
         <p:nvPicPr>
-          <p:cNvPr id="243" name="Google Shape;243;p31"/>
+          <p:cNvPr id="250" name="Google Shape;250;p31"/>
           <p:cNvPicPr preferRelativeResize="0"/>
           <p:nvPr/>
         </p:nvPicPr>
@@ -14615,7 +14894,7 @@
       </p:pic>
       <p:sp>
         <p:nvSpPr>
-          <p:cNvPr id="244" name="Google Shape;244;p31"/>
+          <p:cNvPr id="251" name="Google Shape;251;p31"/>
           <p:cNvSpPr txBox="1"/>
           <p:nvPr>
             <p:ph idx="1" type="body"/>
@@ -14737,7 +15016,7 @@
   <p:cSld>
     <p:spTree>
       <p:nvGrpSpPr>
-        <p:cNvPr id="248" name="Shape 248"/>
+        <p:cNvPr id="255" name="Shape 255"/>
         <p:cNvGrpSpPr/>
         <p:nvPr/>
       </p:nvGrpSpPr>
@@ -14751,7 +15030,7 @@
       </p:grpSpPr>
       <p:pic>
         <p:nvPicPr>
-          <p:cNvPr id="249" name="Google Shape;249;p32"/>
+          <p:cNvPr id="256" name="Google Shape;256;p32"/>
           <p:cNvPicPr preferRelativeResize="0"/>
           <p:nvPr/>
         </p:nvPicPr>
@@ -14779,7 +15058,7 @@
       </p:pic>
       <p:sp>
         <p:nvSpPr>
-          <p:cNvPr id="250" name="Google Shape;250;p32"/>
+          <p:cNvPr id="257" name="Google Shape;257;p32"/>
           <p:cNvSpPr txBox="1"/>
           <p:nvPr>
             <p:ph idx="1" type="body"/>
@@ -14846,7 +15125,7 @@
   <p:cSld>
     <p:spTree>
       <p:nvGrpSpPr>
-        <p:cNvPr id="254" name="Shape 254"/>
+        <p:cNvPr id="261" name="Shape 261"/>
         <p:cNvGrpSpPr/>
         <p:nvPr/>
       </p:nvGrpSpPr>
@@ -14860,7 +15139,7 @@
       </p:grpSpPr>
       <p:sp>
         <p:nvSpPr>
-          <p:cNvPr id="255" name="Google Shape;255;p33"/>
+          <p:cNvPr id="262" name="Google Shape;262;p33"/>
           <p:cNvSpPr txBox="1"/>
           <p:nvPr>
             <p:ph idx="1" type="body"/>
@@ -14916,7 +15195,7 @@
       </p:sp>
       <p:sp>
         <p:nvSpPr>
-          <p:cNvPr id="256" name="Google Shape;256;p33"/>
+          <p:cNvPr id="263" name="Google Shape;263;p33"/>
           <p:cNvSpPr txBox="1"/>
           <p:nvPr/>
         </p:nvSpPr>
@@ -15033,7 +15312,7 @@
                   <a:schemeClr val="dk1"/>
                 </a:solidFill>
               </a:rPr>
-              <a:t>Does the RNN sufficiently embody the way that humans understand language?</a:t>
+              <a:t>Do RNNs sufficiently embody the way that humans understand language?</a:t>
             </a:r>
             <a:endParaRPr sz="1800">
               <a:solidFill>
@@ -15677,7 +15956,7 @@
         </p:nvSpPr>
         <p:spPr>
           <a:xfrm>
-            <a:off x="3351750" y="1117475"/>
+            <a:off x="3351750" y="994925"/>
             <a:ext cx="2296200" cy="2648400"/>
           </a:xfrm>
           <a:prstGeom prst="rect">
@@ -15877,7 +16156,7 @@
         </p:nvSpPr>
         <p:spPr>
           <a:xfrm>
-            <a:off x="6198400" y="1117475"/>
+            <a:off x="6198400" y="994925"/>
             <a:ext cx="2296200" cy="1285800"/>
           </a:xfrm>
           <a:prstGeom prst="rect">
@@ -16396,10 +16675,10 @@
               <a:buNone/>
             </a:pPr>
             <a:r>
-              <a:rPr lang="en"/>
+              <a:rPr lang="en" sz="1600"/>
               <a:t>How might we build a network to understand the following sentence?</a:t>
             </a:r>
-            <a:endParaRPr/>
+            <a:endParaRPr sz="1600"/>
           </a:p>
           <a:p>
             <a:pPr indent="0" lvl="0" marL="0" rtl="0" algn="l">
@@ -18045,10 +18324,10 @@
               <a:buNone/>
             </a:pPr>
             <a:r>
-              <a:rPr lang="en"/>
+              <a:rPr lang="en" sz="1600"/>
               <a:t>Are we done? Is there a better way? Are all input sequences of the same length? Is language syntax transferable across different sentences? Do neighboring words share more correlation with one another?</a:t>
             </a:r>
-            <a:endParaRPr/>
+            <a:endParaRPr sz="1600"/>
           </a:p>
           <a:p>
             <a:pPr indent="0" lvl="0" marL="0" rtl="0" algn="l">
@@ -18075,7 +18354,7 @@
         </p:nvSpPr>
         <p:spPr>
           <a:xfrm>
-            <a:off x="784925" y="1882900"/>
+            <a:off x="524763" y="2372100"/>
             <a:ext cx="3195300" cy="1065000"/>
           </a:xfrm>
           <a:prstGeom prst="rect">
@@ -18127,7 +18406,7 @@
         </p:nvSpPr>
         <p:spPr>
           <a:xfrm>
-            <a:off x="784925" y="1995050"/>
+            <a:off x="524763" y="2484250"/>
             <a:ext cx="995100" cy="588600"/>
           </a:xfrm>
           <a:prstGeom prst="rect">
@@ -18174,7 +18453,7 @@
         </p:nvSpPr>
         <p:spPr>
           <a:xfrm>
-            <a:off x="1553975" y="1995050"/>
+            <a:off x="1293813" y="2484250"/>
             <a:ext cx="933900" cy="588600"/>
           </a:xfrm>
           <a:prstGeom prst="rect">
@@ -18221,8 +18500,8 @@
         </p:nvSpPr>
         <p:spPr>
           <a:xfrm>
-            <a:off x="653825" y="1399650"/>
-            <a:ext cx="2795400" cy="335400"/>
+            <a:off x="163127" y="1888850"/>
+            <a:ext cx="3195300" cy="335400"/>
           </a:xfrm>
           <a:prstGeom prst="rect">
             <a:avLst/>
@@ -18248,10 +18527,10 @@
               <a:buNone/>
             </a:pPr>
             <a:r>
-              <a:rPr lang="en"/>
+              <a:rPr lang="en" sz="1600"/>
               <a:t>2D convolutions: Will it work?</a:t>
             </a:r>
-            <a:endParaRPr/>
+            <a:endParaRPr sz="1600"/>
           </a:p>
         </p:txBody>
       </p:sp>
@@ -18263,8 +18542,8 @@
         </p:nvSpPr>
         <p:spPr>
           <a:xfrm>
-            <a:off x="5171550" y="1399650"/>
-            <a:ext cx="3554100" cy="588600"/>
+            <a:off x="4566252" y="1888850"/>
+            <a:ext cx="4244400" cy="588600"/>
           </a:xfrm>
           <a:prstGeom prst="rect">
             <a:avLst/>
@@ -18290,8 +18569,12 @@
               <a:buNone/>
             </a:pPr>
             <a:r>
+              <a:rPr lang="en" sz="1600"/>
+              <a:t>What if we tried 1D convolutions instead?</a:t>
+            </a:r>
+            <a:r>
               <a:rPr lang="en"/>
-              <a:t>What if we tried 1D convolutions instead? </a:t>
+              <a:t> </a:t>
             </a:r>
             <a:endParaRPr/>
           </a:p>
@@ -18305,7 +18588,7 @@
         </p:nvSpPr>
         <p:spPr>
           <a:xfrm>
-            <a:off x="4886700" y="2068250"/>
+            <a:off x="4626538" y="2557450"/>
             <a:ext cx="4123800" cy="442200"/>
           </a:xfrm>
           <a:prstGeom prst="rect">
@@ -18372,7 +18655,7 @@
         </p:nvSpPr>
         <p:spPr>
           <a:xfrm>
-            <a:off x="5367750" y="2141450"/>
+            <a:off x="5107588" y="2630650"/>
             <a:ext cx="336300" cy="335400"/>
           </a:xfrm>
           <a:prstGeom prst="rect">
@@ -18419,7 +18702,7 @@
         </p:nvSpPr>
         <p:spPr>
           <a:xfrm>
-            <a:off x="5704050" y="2141450"/>
+            <a:off x="5443888" y="2630650"/>
             <a:ext cx="434400" cy="335400"/>
           </a:xfrm>
           <a:prstGeom prst="rect">
@@ -18466,7 +18749,7 @@
         </p:nvSpPr>
         <p:spPr>
           <a:xfrm>
-            <a:off x="6138450" y="2141450"/>
+            <a:off x="5878288" y="2630650"/>
             <a:ext cx="518700" cy="335400"/>
           </a:xfrm>
           <a:prstGeom prst="rect">
@@ -18505,6 +18788,63 @@
           </a:p>
         </p:txBody>
       </p:sp>
+      <p:pic>
+        <p:nvPicPr>
+          <p:cNvPr id="127" name="Google Shape;127;p21"/>
+          <p:cNvPicPr preferRelativeResize="0"/>
+          <p:nvPr/>
+        </p:nvPicPr>
+        <p:blipFill>
+          <a:blip r:embed="rId3">
+            <a:alphaModFix/>
+          </a:blip>
+          <a:stretch>
+            <a:fillRect/>
+          </a:stretch>
+        </p:blipFill>
+        <p:spPr>
+          <a:xfrm>
+            <a:off x="5535925" y="3659375"/>
+            <a:ext cx="2305050" cy="685800"/>
+          </a:xfrm>
+          <a:prstGeom prst="rect">
+            <a:avLst/>
+          </a:prstGeom>
+          <a:noFill/>
+          <a:ln>
+            <a:noFill/>
+          </a:ln>
+        </p:spPr>
+      </p:pic>
+      <p:cxnSp>
+        <p:nvCxnSpPr>
+          <p:cNvPr id="128" name="Google Shape;128;p21"/>
+          <p:cNvCxnSpPr>
+            <a:stCxn id="123" idx="2"/>
+            <a:endCxn id="127" idx="0"/>
+          </p:cNvCxnSpPr>
+          <p:nvPr/>
+        </p:nvCxnSpPr>
+        <p:spPr>
+          <a:xfrm>
+            <a:off x="6688438" y="2999650"/>
+            <a:ext cx="0" cy="659700"/>
+          </a:xfrm>
+          <a:prstGeom prst="straightConnector1">
+            <a:avLst/>
+          </a:prstGeom>
+          <a:noFill/>
+          <a:ln cap="flat" cmpd="sng" w="9525">
+            <a:solidFill>
+              <a:schemeClr val="dk2"/>
+            </a:solidFill>
+            <a:prstDash val="solid"/>
+            <a:round/>
+            <a:headEnd len="med" w="med" type="none"/>
+            <a:tailEnd len="med" w="med" type="triangle"/>
+          </a:ln>
+        </p:spPr>
+      </p:cxnSp>
     </p:spTree>
   </p:cSld>
   <p:clrMapOvr>
@@ -19144,6 +19484,94 @@
                                         <p:strVal val="hidden"/>
                                       </p:to>
                                     </p:set>
+                                  </p:childTnLst>
+                                </p:cTn>
+                              </p:par>
+                            </p:childTnLst>
+                          </p:cTn>
+                        </p:par>
+                      </p:childTnLst>
+                    </p:cTn>
+                  </p:par>
+                  <p:par>
+                    <p:cTn fill="hold">
+                      <p:stCondLst>
+                        <p:cond delay="indefinite"/>
+                      </p:stCondLst>
+                      <p:childTnLst>
+                        <p:par>
+                          <p:cTn fill="hold">
+                            <p:stCondLst>
+                              <p:cond delay="0"/>
+                            </p:stCondLst>
+                            <p:childTnLst>
+                              <p:par>
+                                <p:cTn fill="hold" nodeType="clickEffect" presetClass="entr" presetID="10" presetSubtype="0">
+                                  <p:stCondLst>
+                                    <p:cond delay="0"/>
+                                  </p:stCondLst>
+                                  <p:childTnLst>
+                                    <p:set>
+                                      <p:cBhvr>
+                                        <p:cTn dur="1" fill="hold">
+                                          <p:stCondLst>
+                                            <p:cond delay="0"/>
+                                          </p:stCondLst>
+                                        </p:cTn>
+                                        <p:tgtEl>
+                                          <p:spTgt spid="128"/>
+                                        </p:tgtEl>
+                                        <p:attrNameLst>
+                                          <p:attrName>style.visibility</p:attrName>
+                                        </p:attrNameLst>
+                                      </p:cBhvr>
+                                      <p:to>
+                                        <p:strVal val="visible"/>
+                                      </p:to>
+                                    </p:set>
+                                    <p:animEffect filter="fade" transition="in">
+                                      <p:cBhvr>
+                                        <p:cTn dur="1000"/>
+                                        <p:tgtEl>
+                                          <p:spTgt spid="128"/>
+                                        </p:tgtEl>
+                                      </p:cBhvr>
+                                    </p:animEffect>
+                                  </p:childTnLst>
+                                </p:cTn>
+                              </p:par>
+                              <p:par>
+                                <p:cTn fill="hold" nodeType="withEffect" presetClass="entr" presetID="10" presetSubtype="0">
+                                  <p:stCondLst>
+                                    <p:cond delay="0"/>
+                                  </p:stCondLst>
+                                  <p:childTnLst>
+                                    <p:set>
+                                      <p:cBhvr>
+                                        <p:cTn dur="1" fill="hold">
+                                          <p:stCondLst>
+                                            <p:cond delay="0"/>
+                                          </p:stCondLst>
+                                        </p:cTn>
+                                        <p:tgtEl>
+                                          <p:spTgt spid="127"/>
+                                        </p:tgtEl>
+                                        <p:attrNameLst>
+                                          <p:attrName>style.visibility</p:attrName>
+                                        </p:attrNameLst>
+                                      </p:cBhvr>
+                                      <p:to>
+                                        <p:strVal val="visible"/>
+                                      </p:to>
+                                    </p:set>
+                                    <p:animEffect filter="fade" transition="in">
+                                      <p:cBhvr>
+                                        <p:cTn dur="1000"/>
+                                        <p:tgtEl>
+                                          <p:spTgt spid="127"/>
+                                        </p:tgtEl>
+                                      </p:cBhvr>
+                                    </p:animEffect>
                                   </p:childTnLst>
                                 </p:cTn>
                               </p:par>
